--- a/ast/AST图解-自学.pptx
+++ b/ast/AST图解-自学.pptx
@@ -9,23 +9,27 @@
   </p:notesMasterIdLst>
   <p:sldIdLst>
     <p:sldId id="326" r:id="rId3"/>
-    <p:sldId id="350" r:id="rId5"/>
-    <p:sldId id="349" r:id="rId6"/>
-    <p:sldId id="376" r:id="rId7"/>
-    <p:sldId id="389" r:id="rId8"/>
-    <p:sldId id="348" r:id="rId9"/>
-    <p:sldId id="377" r:id="rId10"/>
-    <p:sldId id="380" r:id="rId11"/>
-    <p:sldId id="378" r:id="rId12"/>
-    <p:sldId id="381" r:id="rId13"/>
-    <p:sldId id="382" r:id="rId14"/>
-    <p:sldId id="383" r:id="rId15"/>
-    <p:sldId id="384" r:id="rId16"/>
-    <p:sldId id="385" r:id="rId17"/>
-    <p:sldId id="388" r:id="rId18"/>
+    <p:sldId id="349" r:id="rId5"/>
+    <p:sldId id="376" r:id="rId6"/>
+    <p:sldId id="389" r:id="rId7"/>
+    <p:sldId id="348" r:id="rId8"/>
+    <p:sldId id="377" r:id="rId9"/>
+    <p:sldId id="380" r:id="rId10"/>
+    <p:sldId id="378" r:id="rId11"/>
+    <p:sldId id="381" r:id="rId12"/>
+    <p:sldId id="382" r:id="rId13"/>
+    <p:sldId id="383" r:id="rId14"/>
+    <p:sldId id="384" r:id="rId15"/>
+    <p:sldId id="385" r:id="rId16"/>
+    <p:sldId id="388" r:id="rId17"/>
+    <p:sldId id="400" r:id="rId18"/>
+    <p:sldId id="401" r:id="rId19"/>
   </p:sldIdLst>
   <p:sldSz cx="12192000" cy="6858000"/>
   <p:notesSz cx="6858000" cy="9144000"/>
+  <p:custDataLst>
+    <p:tags r:id="rId23"/>
+  </p:custDataLst>
   <p:defaultTextStyle>
     <a:defPPr>
       <a:defRPr lang="zh-CN"/>
@@ -550,84 +554,6 @@
 </file>
 
 <file path=ppt/notesSlides/notesSlide2.xml><?xml version="1.0" encoding="utf-8"?>
-<p:notes xmlns:a="http://schemas.openxmlformats.org/drawingml/2006/main" xmlns:r="http://schemas.openxmlformats.org/officeDocument/2006/relationships" xmlns:p="http://schemas.openxmlformats.org/presentationml/2006/main">
-  <p:cSld>
-    <p:spTree>
-      <p:nvGrpSpPr>
-        <p:cNvPr id="1" name=""/>
-        <p:cNvGrpSpPr/>
-        <p:nvPr/>
-      </p:nvGrpSpPr>
-      <p:grpSpPr>
-        <a:xfrm>
-          <a:off x="0" y="0"/>
-          <a:ext cx="0" cy="0"/>
-          <a:chOff x="0" y="0"/>
-          <a:chExt cx="0" cy="0"/>
-        </a:xfrm>
-      </p:grpSpPr>
-      <p:sp>
-        <p:nvSpPr>
-          <p:cNvPr id="2" name="幻灯片图像占位符 1"/>
-          <p:cNvSpPr>
-            <a:spLocks noGrp="1" noRot="1" noChangeAspect="1"/>
-          </p:cNvSpPr>
-          <p:nvPr>
-            <p:ph type="sldImg"/>
-          </p:nvPr>
-        </p:nvSpPr>
-        <p:spPr/>
-      </p:sp>
-      <p:sp>
-        <p:nvSpPr>
-          <p:cNvPr id="3" name="备注占位符 2"/>
-          <p:cNvSpPr>
-            <a:spLocks noGrp="1"/>
-          </p:cNvSpPr>
-          <p:nvPr>
-            <p:ph type="body" idx="1"/>
-          </p:nvPr>
-        </p:nvSpPr>
-        <p:spPr/>
-        <p:txBody>
-          <a:bodyPr/>
-          <a:lstStyle/>
-          <a:p>
-            <a:endParaRPr lang="zh-CN" altLang="en-US"/>
-          </a:p>
-        </p:txBody>
-      </p:sp>
-      <p:sp>
-        <p:nvSpPr>
-          <p:cNvPr id="4" name="灯片编号占位符 3"/>
-          <p:cNvSpPr>
-            <a:spLocks noGrp="1"/>
-          </p:cNvSpPr>
-          <p:nvPr>
-            <p:ph type="sldNum" sz="quarter" idx="5"/>
-          </p:nvPr>
-        </p:nvSpPr>
-        <p:spPr/>
-        <p:txBody>
-          <a:bodyPr/>
-          <a:lstStyle/>
-          <a:p>
-            <a:fld id="{875004B6-1546-429D-A762-A94F05B4BBCB}" type="slidenum">
-              <a:rPr lang="zh-CN" altLang="en-US" smtClean="0"/>
-            </a:fld>
-            <a:endParaRPr lang="zh-CN" altLang="en-US"/>
-          </a:p>
-        </p:txBody>
-      </p:sp>
-    </p:spTree>
-  </p:cSld>
-  <p:clrMapOvr>
-    <a:masterClrMapping/>
-  </p:clrMapOvr>
-</p:notes>
-</file>
-
-<file path=ppt/notesSlides/notesSlide3.xml><?xml version="1.0" encoding="utf-8"?>
 <p:notes xmlns:a="http://schemas.openxmlformats.org/drawingml/2006/main" xmlns:r="http://schemas.openxmlformats.org/officeDocument/2006/relationships" xmlns:p="http://schemas.openxmlformats.org/presentationml/2006/main">
   <p:cSld>
     <p:spTree>
@@ -12922,13 +12848,25 @@
               <a:rPr lang="en-US" altLang="zh-CN" sz="2400" dirty="0">
                 <a:sym typeface="+mn-ea"/>
               </a:rPr>
-              <a:t>c</a:t>
+              <a:t>]</a:t>
             </a:r>
             <a:r>
               <a:rPr lang="zh-CN" altLang="en-US" sz="2400" dirty="0">
                 <a:sym typeface="+mn-ea"/>
               </a:rPr>
-              <a:t>替换顶栈空字符为</a:t>
+              <a:t>，数字顶栈</a:t>
+            </a:r>
+            <a:r>
+              <a:rPr lang="en-US" altLang="zh-CN" sz="2400" dirty="0">
+                <a:sym typeface="+mn-ea"/>
+              </a:rPr>
+              <a:t>3</a:t>
+            </a:r>
+            <a:r>
+              <a:rPr lang="zh-CN" altLang="en-US" sz="2400" dirty="0">
+                <a:sym typeface="+mn-ea"/>
+              </a:rPr>
+              <a:t>出站，字母顶栈</a:t>
             </a:r>
             <a:r>
               <a:rPr lang="en-US" altLang="zh-CN" sz="2400" dirty="0">
@@ -12940,9 +12878,21 @@
               <a:rPr lang="zh-CN" altLang="en-US" sz="2400" dirty="0">
                 <a:sym typeface="+mn-ea"/>
               </a:rPr>
-              <a:t>，</a:t>
-            </a:r>
-            <a:endParaRPr lang="zh-CN" altLang="en-US" sz="2400" dirty="0">
+              <a:t>重复</a:t>
+            </a:r>
+            <a:r>
+              <a:rPr lang="en-US" altLang="zh-CN" sz="2400" dirty="0">
+                <a:sym typeface="+mn-ea"/>
+              </a:rPr>
+              <a:t>3</a:t>
+            </a:r>
+            <a:r>
+              <a:rPr lang="zh-CN" altLang="en-US" sz="2400" dirty="0">
+                <a:sym typeface="+mn-ea"/>
+              </a:rPr>
+              <a:t>次，替换顶栈</a:t>
+            </a:r>
+            <a:endParaRPr lang="en-US" altLang="zh-CN" sz="2400" dirty="0">
               <a:sym typeface="+mn-ea"/>
             </a:endParaRPr>
           </a:p>
@@ -13017,7 +12967,7 @@
         </p:nvSpPr>
         <p:spPr>
           <a:xfrm>
-            <a:off x="6680200" y="3858895"/>
+            <a:off x="6690995" y="3858895"/>
             <a:ext cx="5184775" cy="1186180"/>
           </a:xfrm>
           <a:prstGeom prst="rect">
@@ -13139,49 +13089,6 @@
       </p:sp>
       <p:sp>
         <p:nvSpPr>
-          <p:cNvPr id="9" name="椭圆 8"/>
-          <p:cNvSpPr/>
-          <p:nvPr/>
-        </p:nvSpPr>
-        <p:spPr>
-          <a:xfrm>
-            <a:off x="2642235" y="4117975"/>
-            <a:ext cx="668020" cy="668020"/>
-          </a:xfrm>
-          <a:prstGeom prst="ellipse">
-            <a:avLst/>
-          </a:prstGeom>
-        </p:spPr>
-        <p:style>
-          <a:lnRef idx="2">
-            <a:schemeClr val="accent1">
-              <a:shade val="50000"/>
-            </a:schemeClr>
-          </a:lnRef>
-          <a:fillRef idx="1">
-            <a:schemeClr val="accent1"/>
-          </a:fillRef>
-          <a:effectRef idx="0">
-            <a:schemeClr val="accent1"/>
-          </a:effectRef>
-          <a:fontRef idx="minor">
-            <a:schemeClr val="lt1"/>
-          </a:fontRef>
-        </p:style>
-        <p:txBody>
-          <a:bodyPr rtlCol="0" anchor="ctr"/>
-          <a:p>
-            <a:pPr algn="ctr"/>
-            <a:r>
-              <a:rPr lang="en-US" altLang="zh-CN" b="1"/>
-              <a:t>3</a:t>
-            </a:r>
-            <a:endParaRPr lang="en-US" altLang="zh-CN" b="1"/>
-          </a:p>
-        </p:txBody>
-      </p:sp>
-      <p:sp>
-        <p:nvSpPr>
           <p:cNvPr id="10" name="椭圆 9"/>
           <p:cNvSpPr/>
           <p:nvPr/>
@@ -13268,142 +13175,13 @@
       </p:sp>
       <p:sp>
         <p:nvSpPr>
-          <p:cNvPr id="19" name="椭圆 18"/>
+          <p:cNvPr id="18" name="矩形 17"/>
           <p:cNvSpPr/>
           <p:nvPr/>
         </p:nvSpPr>
         <p:spPr>
           <a:xfrm>
-            <a:off x="9344660" y="4069715"/>
-            <a:ext cx="668020" cy="668020"/>
-          </a:xfrm>
-          <a:prstGeom prst="ellipse">
-            <a:avLst/>
-          </a:prstGeom>
-        </p:spPr>
-        <p:style>
-          <a:lnRef idx="2">
-            <a:schemeClr val="accent2">
-              <a:shade val="50000"/>
-            </a:schemeClr>
-          </a:lnRef>
-          <a:fillRef idx="1">
-            <a:schemeClr val="accent2"/>
-          </a:fillRef>
-          <a:effectRef idx="0">
-            <a:schemeClr val="accent2"/>
-          </a:effectRef>
-          <a:fontRef idx="minor">
-            <a:schemeClr val="lt1"/>
-          </a:fontRef>
-        </p:style>
-        <p:txBody>
-          <a:bodyPr rtlCol="0" anchor="ctr"/>
-          <a:p>
-            <a:pPr algn="ctr"/>
-            <a:r>
-              <a:rPr lang="en-US" altLang="zh-CN" b="1"/>
-              <a:t>“”</a:t>
-            </a:r>
-            <a:endParaRPr lang="en-US" altLang="zh-CN" b="1"/>
-          </a:p>
-        </p:txBody>
-      </p:sp>
-      <p:sp>
-        <p:nvSpPr>
-          <p:cNvPr id="20" name="椭圆 19"/>
-          <p:cNvSpPr/>
-          <p:nvPr/>
-        </p:nvSpPr>
-        <p:spPr>
-          <a:xfrm>
-            <a:off x="10201275" y="4117975"/>
-            <a:ext cx="668020" cy="668020"/>
-          </a:xfrm>
-          <a:prstGeom prst="ellipse">
-            <a:avLst/>
-          </a:prstGeom>
-        </p:spPr>
-        <p:style>
-          <a:lnRef idx="2">
-            <a:schemeClr val="accent2">
-              <a:shade val="50000"/>
-            </a:schemeClr>
-          </a:lnRef>
-          <a:fillRef idx="1">
-            <a:schemeClr val="accent2"/>
-          </a:fillRef>
-          <a:effectRef idx="0">
-            <a:schemeClr val="accent2"/>
-          </a:effectRef>
-          <a:fontRef idx="minor">
-            <a:schemeClr val="lt1"/>
-          </a:fontRef>
-        </p:style>
-        <p:txBody>
-          <a:bodyPr rtlCol="0" anchor="ctr"/>
-          <a:p>
-            <a:pPr algn="ctr"/>
-            <a:r>
-              <a:rPr lang="en-US" altLang="zh-CN" b="1"/>
-              <a:t>“”</a:t>
-            </a:r>
-            <a:endParaRPr lang="en-US" altLang="zh-CN" b="1"/>
-          </a:p>
-        </p:txBody>
-      </p:sp>
-      <p:sp>
-        <p:nvSpPr>
-          <p:cNvPr id="15" name="心形 14"/>
-          <p:cNvSpPr/>
-          <p:nvPr/>
-        </p:nvSpPr>
-        <p:spPr>
-          <a:xfrm>
-            <a:off x="10221595" y="4248150"/>
-            <a:ext cx="668020" cy="668020"/>
-          </a:xfrm>
-          <a:prstGeom prst="heart">
-            <a:avLst/>
-          </a:prstGeom>
-        </p:spPr>
-        <p:style>
-          <a:lnRef idx="2">
-            <a:schemeClr val="accent4">
-              <a:shade val="50000"/>
-            </a:schemeClr>
-          </a:lnRef>
-          <a:fillRef idx="1">
-            <a:schemeClr val="accent4"/>
-          </a:fillRef>
-          <a:effectRef idx="0">
-            <a:schemeClr val="accent4"/>
-          </a:effectRef>
-          <a:fontRef idx="minor">
-            <a:schemeClr val="lt1"/>
-          </a:fontRef>
-        </p:style>
-        <p:txBody>
-          <a:bodyPr rtlCol="0" anchor="ctr"/>
-          <a:p>
-            <a:pPr algn="ctr"/>
-            <a:r>
-              <a:rPr lang="en-US" altLang="zh-CN" b="1"/>
-              <a:t>c</a:t>
-            </a:r>
-            <a:endParaRPr lang="en-US" altLang="zh-CN" b="1"/>
-          </a:p>
-        </p:txBody>
-      </p:sp>
-      <p:sp>
-        <p:nvSpPr>
-          <p:cNvPr id="6" name="矩形 5"/>
-          <p:cNvSpPr/>
-          <p:nvPr/>
-        </p:nvSpPr>
-        <p:spPr>
-          <a:xfrm>
-            <a:off x="6917055" y="4090670"/>
+            <a:off x="8132445" y="4090670"/>
             <a:ext cx="1046480" cy="647065"/>
           </a:xfrm>
           <a:prstGeom prst="rect">
@@ -13431,7 +13209,9 @@
           <a:p>
             <a:pPr algn="ctr"/>
             <a:r>
-              <a:rPr lang="en-US" altLang="zh-CN"/>
+              <a:rPr lang="en-US" altLang="zh-CN">
+                <a:sym typeface="+mn-ea"/>
+              </a:rPr>
               <a:t>a</a:t>
             </a:r>
             <a:r>
@@ -13439,6 +13219,49 @@
                 <a:sym typeface="+mn-ea"/>
               </a:rPr>
               <a:t>bbb</a:t>
+            </a:r>
+            <a:endParaRPr lang="en-US" altLang="zh-CN"/>
+          </a:p>
+        </p:txBody>
+      </p:sp>
+      <p:sp>
+        <p:nvSpPr>
+          <p:cNvPr id="6" name="矩形 5"/>
+          <p:cNvSpPr/>
+          <p:nvPr/>
+        </p:nvSpPr>
+        <p:spPr>
+          <a:xfrm>
+            <a:off x="9608185" y="4090670"/>
+            <a:ext cx="1046480" cy="647065"/>
+          </a:xfrm>
+          <a:prstGeom prst="rect">
+            <a:avLst/>
+          </a:prstGeom>
+        </p:spPr>
+        <p:style>
+          <a:lnRef idx="2">
+            <a:schemeClr val="accent1">
+              <a:shade val="50000"/>
+            </a:schemeClr>
+          </a:lnRef>
+          <a:fillRef idx="1">
+            <a:schemeClr val="accent1"/>
+          </a:fillRef>
+          <a:effectRef idx="0">
+            <a:schemeClr val="accent1"/>
+          </a:effectRef>
+          <a:fontRef idx="minor">
+            <a:schemeClr val="lt1"/>
+          </a:fontRef>
+        </p:style>
+        <p:txBody>
+          <a:bodyPr rtlCol="0" anchor="ctr"/>
+          <a:p>
+            <a:pPr algn="ctr"/>
+            <a:r>
+              <a:rPr lang="en-US" altLang="zh-CN"/>
+              <a:t>ccc</a:t>
             </a:r>
             <a:endParaRPr lang="en-US" altLang="zh-CN"/>
           </a:p>
@@ -13508,7 +13331,7 @@
         </p:nvSpPr>
         <p:spPr>
           <a:xfrm>
-            <a:off x="1002030" y="1110615"/>
+            <a:off x="981075" y="1110615"/>
             <a:ext cx="11114405" cy="1699895"/>
           </a:xfrm>
           <a:prstGeom prst="rect">
@@ -13570,51 +13393,15 @@
               <a:rPr lang="en-US" altLang="zh-CN" sz="2400" dirty="0">
                 <a:sym typeface="+mn-ea"/>
               </a:rPr>
-              <a:t>]</a:t>
+              <a:t>4</a:t>
             </a:r>
             <a:r>
               <a:rPr lang="zh-CN" altLang="en-US" sz="2400" dirty="0">
                 <a:sym typeface="+mn-ea"/>
               </a:rPr>
-              <a:t>，数字顶栈</a:t>
-            </a:r>
-            <a:r>
-              <a:rPr lang="en-US" altLang="zh-CN" sz="2400" dirty="0">
-                <a:sym typeface="+mn-ea"/>
-              </a:rPr>
-              <a:t>3</a:t>
-            </a:r>
-            <a:r>
-              <a:rPr lang="zh-CN" altLang="en-US" sz="2400" dirty="0">
-                <a:sym typeface="+mn-ea"/>
-              </a:rPr>
-              <a:t>出站，字母顶栈</a:t>
-            </a:r>
-            <a:r>
-              <a:rPr lang="en-US" altLang="zh-CN" sz="2400" dirty="0">
-                <a:sym typeface="+mn-ea"/>
-              </a:rPr>
-              <a:t>c</a:t>
-            </a:r>
-            <a:r>
-              <a:rPr lang="zh-CN" altLang="en-US" sz="2400" dirty="0">
-                <a:sym typeface="+mn-ea"/>
-              </a:rPr>
-              <a:t>重复</a:t>
-            </a:r>
-            <a:r>
-              <a:rPr lang="en-US" altLang="zh-CN" sz="2400" dirty="0">
-                <a:sym typeface="+mn-ea"/>
-              </a:rPr>
-              <a:t>3</a:t>
-            </a:r>
-            <a:r>
-              <a:rPr lang="zh-CN" altLang="en-US" sz="2400" dirty="0">
-                <a:sym typeface="+mn-ea"/>
-              </a:rPr>
-              <a:t>次，替换顶栈</a:t>
-            </a:r>
-            <a:endParaRPr lang="en-US" altLang="zh-CN" sz="2400" dirty="0">
+              <a:t>入数字栈，空字符串入字母栈</a:t>
+            </a:r>
+            <a:endParaRPr lang="zh-CN" altLang="en-US" sz="2400" dirty="0">
               <a:sym typeface="+mn-ea"/>
             </a:endParaRPr>
           </a:p>
@@ -13633,7 +13420,31 @@
                 <a:tab pos="299720" algn="l"/>
               </a:tabLst>
             </a:pPr>
-            <a:endParaRPr lang="zh-CN" altLang="en-US" sz="2400" dirty="0">
+            <a:r>
+              <a:rPr lang="zh-CN" altLang="en-US" sz="2400" dirty="0">
+                <a:sym typeface="+mn-ea"/>
+              </a:rPr>
+              <a:t>遇到</a:t>
+            </a:r>
+            <a:r>
+              <a:rPr lang="en-US" altLang="zh-CN" sz="2400" dirty="0">
+                <a:sym typeface="+mn-ea"/>
+              </a:rPr>
+              <a:t>d</a:t>
+            </a:r>
+            <a:r>
+              <a:rPr lang="zh-CN" altLang="en-US" sz="2400" dirty="0">
+                <a:sym typeface="+mn-ea"/>
+              </a:rPr>
+              <a:t>替换字母栈顶的空字符串为</a:t>
+            </a:r>
+            <a:r>
+              <a:rPr lang="en-US" altLang="zh-CN" sz="2400" dirty="0">
+                <a:sym typeface="+mn-ea"/>
+              </a:rPr>
+              <a:t>d</a:t>
+            </a:r>
+            <a:endParaRPr lang="en-US" altLang="zh-CN" sz="2400" dirty="0">
               <a:sym typeface="+mn-ea"/>
             </a:endParaRPr>
           </a:p>
@@ -13689,7 +13500,7 @@
         </p:nvSpPr>
         <p:spPr>
           <a:xfrm>
-            <a:off x="6690995" y="3858895"/>
+            <a:off x="6669405" y="3858895"/>
             <a:ext cx="5184775" cy="1186180"/>
           </a:xfrm>
           <a:prstGeom prst="rect">
@@ -13817,7 +13628,7 @@
         </p:nvSpPr>
         <p:spPr>
           <a:xfrm>
-            <a:off x="4820285" y="5778500"/>
+            <a:off x="2642235" y="4117975"/>
             <a:ext cx="668020" cy="668020"/>
           </a:xfrm>
           <a:prstGeom prst="ellipse">
@@ -13854,13 +13665,56 @@
       </p:sp>
       <p:sp>
         <p:nvSpPr>
+          <p:cNvPr id="7" name="椭圆 6"/>
+          <p:cNvSpPr/>
+          <p:nvPr/>
+        </p:nvSpPr>
+        <p:spPr>
+          <a:xfrm>
+            <a:off x="11393805" y="4079875"/>
+            <a:ext cx="668020" cy="668020"/>
+          </a:xfrm>
+          <a:prstGeom prst="ellipse">
+            <a:avLst/>
+          </a:prstGeom>
+        </p:spPr>
+        <p:style>
+          <a:lnRef idx="2">
+            <a:schemeClr val="accent2">
+              <a:shade val="50000"/>
+            </a:schemeClr>
+          </a:lnRef>
+          <a:fillRef idx="1">
+            <a:schemeClr val="accent2"/>
+          </a:fillRef>
+          <a:effectRef idx="0">
+            <a:schemeClr val="accent2"/>
+          </a:effectRef>
+          <a:fontRef idx="minor">
+            <a:schemeClr val="lt1"/>
+          </a:fontRef>
+        </p:style>
+        <p:txBody>
+          <a:bodyPr rtlCol="0" anchor="ctr"/>
+          <a:p>
+            <a:pPr algn="ctr"/>
+            <a:r>
+              <a:rPr lang="en-US" altLang="zh-CN" b="1"/>
+              <a:t>“”</a:t>
+            </a:r>
+            <a:endParaRPr lang="en-US" altLang="zh-CN" b="1"/>
+          </a:p>
+        </p:txBody>
+      </p:sp>
+      <p:sp>
+        <p:nvSpPr>
           <p:cNvPr id="16" name="心形 15"/>
           <p:cNvSpPr/>
           <p:nvPr/>
         </p:nvSpPr>
         <p:spPr>
           <a:xfrm>
-            <a:off x="9533255" y="5778500"/>
+            <a:off x="11393805" y="4377055"/>
             <a:ext cx="668020" cy="668020"/>
           </a:xfrm>
           <a:prstGeom prst="heart">
@@ -13897,7 +13751,7 @@
       </p:sp>
       <p:sp>
         <p:nvSpPr>
-          <p:cNvPr id="18" name="矩形 17"/>
+          <p:cNvPr id="11" name="矩形 10"/>
           <p:cNvSpPr/>
           <p:nvPr/>
         </p:nvSpPr>
@@ -13948,7 +13802,7 @@
       </p:sp>
       <p:sp>
         <p:nvSpPr>
-          <p:cNvPr id="6" name="矩形 5"/>
+          <p:cNvPr id="12" name="矩形 11"/>
           <p:cNvSpPr/>
           <p:nvPr/>
         </p:nvSpPr>
@@ -14054,7 +13908,7 @@
         <p:spPr>
           <a:xfrm>
             <a:off x="981075" y="1110615"/>
-            <a:ext cx="11114405" cy="1699895"/>
+            <a:ext cx="11114405" cy="1133475"/>
           </a:xfrm>
           <a:prstGeom prst="rect">
             <a:avLst/>
@@ -14115,38 +13969,25 @@
               <a:rPr lang="en-US" altLang="zh-CN" sz="2400" dirty="0">
                 <a:sym typeface="+mn-ea"/>
               </a:rPr>
-              <a:t>4</a:t>
+              <a:t>]</a:t>
             </a:r>
             <a:r>
               <a:rPr lang="zh-CN" altLang="en-US" sz="2400" dirty="0">
                 <a:sym typeface="+mn-ea"/>
               </a:rPr>
-              <a:t>入数字栈，空字符串入字母栈</a:t>
-            </a:r>
-            <a:endParaRPr lang="zh-CN" altLang="en-US" sz="2400" dirty="0">
-              <a:sym typeface="+mn-ea"/>
-            </a:endParaRPr>
-          </a:p>
-          <a:p>
-            <a:pPr marL="12065" marR="168910" indent="0">
-              <a:lnSpc>
-                <a:spcPct val="150000"/>
-              </a:lnSpc>
-              <a:spcBef>
-                <a:spcPts val="100"/>
-              </a:spcBef>
-              <a:buFont typeface="Arial" panose="020B0604020202020204"/>
-              <a:buNone/>
-              <a:tabLst>
-                <a:tab pos="299085" algn="l"/>
-                <a:tab pos="299720" algn="l"/>
-              </a:tabLst>
-            </a:pPr>
+              <a:t>，数字顶栈</a:t>
+            </a:r>
+            <a:r>
+              <a:rPr lang="en-US" altLang="zh-CN" sz="2400" dirty="0">
+                <a:sym typeface="+mn-ea"/>
+              </a:rPr>
+              <a:t>4</a:t>
+            </a:r>
             <a:r>
               <a:rPr lang="zh-CN" altLang="en-US" sz="2400" dirty="0">
                 <a:sym typeface="+mn-ea"/>
               </a:rPr>
-              <a:t>遇到</a:t>
+              <a:t>出站，字母顶栈</a:t>
             </a:r>
             <a:r>
               <a:rPr lang="en-US" altLang="zh-CN" sz="2400" dirty="0">
@@ -14158,13 +13999,19 @@
               <a:rPr lang="zh-CN" altLang="en-US" sz="2400" dirty="0">
                 <a:sym typeface="+mn-ea"/>
               </a:rPr>
-              <a:t>替换字母栈顶的空字符串为</a:t>
+              <a:t>重复</a:t>
             </a:r>
             <a:r>
               <a:rPr lang="en-US" altLang="zh-CN" sz="2400" dirty="0">
                 <a:sym typeface="+mn-ea"/>
               </a:rPr>
-              <a:t>d</a:t>
+              <a:t>4</a:t>
+            </a:r>
+            <a:r>
+              <a:rPr lang="zh-CN" altLang="en-US" sz="2400" dirty="0">
+                <a:sym typeface="+mn-ea"/>
+              </a:rPr>
+              <a:t>次，替换顶栈</a:t>
             </a:r>
             <a:endParaRPr lang="en-US" altLang="zh-CN" sz="2400" dirty="0">
               <a:sym typeface="+mn-ea"/>
@@ -14222,7 +14069,7 @@
         </p:nvSpPr>
         <p:spPr>
           <a:xfrm>
-            <a:off x="6669405" y="3858895"/>
+            <a:off x="6680200" y="3858895"/>
             <a:ext cx="5184775" cy="1186180"/>
           </a:xfrm>
           <a:prstGeom prst="rect">
@@ -14344,142 +14191,13 @@
       </p:sp>
       <p:sp>
         <p:nvSpPr>
-          <p:cNvPr id="10" name="椭圆 9"/>
+          <p:cNvPr id="6" name="矩形 5"/>
           <p:cNvSpPr/>
           <p:nvPr/>
         </p:nvSpPr>
         <p:spPr>
           <a:xfrm>
-            <a:off x="2642235" y="4117975"/>
-            <a:ext cx="668020" cy="668020"/>
-          </a:xfrm>
-          <a:prstGeom prst="ellipse">
-            <a:avLst/>
-          </a:prstGeom>
-        </p:spPr>
-        <p:style>
-          <a:lnRef idx="2">
-            <a:schemeClr val="accent1">
-              <a:shade val="50000"/>
-            </a:schemeClr>
-          </a:lnRef>
-          <a:fillRef idx="1">
-            <a:schemeClr val="accent1"/>
-          </a:fillRef>
-          <a:effectRef idx="0">
-            <a:schemeClr val="accent1"/>
-          </a:effectRef>
-          <a:fontRef idx="minor">
-            <a:schemeClr val="lt1"/>
-          </a:fontRef>
-        </p:style>
-        <p:txBody>
-          <a:bodyPr rtlCol="0" anchor="ctr"/>
-          <a:p>
-            <a:pPr algn="ctr"/>
-            <a:r>
-              <a:rPr lang="en-US" altLang="zh-CN" b="1"/>
-              <a:t>4</a:t>
-            </a:r>
-            <a:endParaRPr lang="en-US" altLang="zh-CN" b="1"/>
-          </a:p>
-        </p:txBody>
-      </p:sp>
-      <p:sp>
-        <p:nvSpPr>
-          <p:cNvPr id="7" name="椭圆 6"/>
-          <p:cNvSpPr/>
-          <p:nvPr/>
-        </p:nvSpPr>
-        <p:spPr>
-          <a:xfrm>
-            <a:off x="11393805" y="4079875"/>
-            <a:ext cx="668020" cy="668020"/>
-          </a:xfrm>
-          <a:prstGeom prst="ellipse">
-            <a:avLst/>
-          </a:prstGeom>
-        </p:spPr>
-        <p:style>
-          <a:lnRef idx="2">
-            <a:schemeClr val="accent2">
-              <a:shade val="50000"/>
-            </a:schemeClr>
-          </a:lnRef>
-          <a:fillRef idx="1">
-            <a:schemeClr val="accent2"/>
-          </a:fillRef>
-          <a:effectRef idx="0">
-            <a:schemeClr val="accent2"/>
-          </a:effectRef>
-          <a:fontRef idx="minor">
-            <a:schemeClr val="lt1"/>
-          </a:fontRef>
-        </p:style>
-        <p:txBody>
-          <a:bodyPr rtlCol="0" anchor="ctr"/>
-          <a:p>
-            <a:pPr algn="ctr"/>
-            <a:r>
-              <a:rPr lang="en-US" altLang="zh-CN" b="1"/>
-              <a:t>“”</a:t>
-            </a:r>
-            <a:endParaRPr lang="en-US" altLang="zh-CN" b="1"/>
-          </a:p>
-        </p:txBody>
-      </p:sp>
-      <p:sp>
-        <p:nvSpPr>
-          <p:cNvPr id="16" name="心形 15"/>
-          <p:cNvSpPr/>
-          <p:nvPr/>
-        </p:nvSpPr>
-        <p:spPr>
-          <a:xfrm>
-            <a:off x="11393805" y="4377055"/>
-            <a:ext cx="668020" cy="668020"/>
-          </a:xfrm>
-          <a:prstGeom prst="heart">
-            <a:avLst/>
-          </a:prstGeom>
-        </p:spPr>
-        <p:style>
-          <a:lnRef idx="2">
-            <a:schemeClr val="accent4">
-              <a:shade val="50000"/>
-            </a:schemeClr>
-          </a:lnRef>
-          <a:fillRef idx="1">
-            <a:schemeClr val="accent4"/>
-          </a:fillRef>
-          <a:effectRef idx="0">
-            <a:schemeClr val="accent4"/>
-          </a:effectRef>
-          <a:fontRef idx="minor">
-            <a:schemeClr val="lt1"/>
-          </a:fontRef>
-        </p:style>
-        <p:txBody>
-          <a:bodyPr rtlCol="0" anchor="ctr"/>
-          <a:p>
-            <a:pPr algn="ctr"/>
-            <a:r>
-              <a:rPr lang="en-US" altLang="zh-CN" b="1"/>
-              <a:t>d</a:t>
-            </a:r>
-            <a:endParaRPr lang="en-US" altLang="zh-CN" b="1"/>
-          </a:p>
-        </p:txBody>
-      </p:sp>
-      <p:sp>
-        <p:nvSpPr>
-          <p:cNvPr id="11" name="矩形 10"/>
-          <p:cNvSpPr/>
-          <p:nvPr/>
-        </p:nvSpPr>
-        <p:spPr>
-          <a:xfrm>
-            <a:off x="8132445" y="4090670"/>
+            <a:off x="9069070" y="4013200"/>
             <a:ext cx="1046480" cy="647065"/>
           </a:xfrm>
           <a:prstGeom prst="rect">
@@ -14507,16 +14225,14 @@
           <a:p>
             <a:pPr algn="ctr"/>
             <a:r>
+              <a:rPr lang="en-US" altLang="zh-CN"/>
+              <a:t>ccc</a:t>
+            </a:r>
+            <a:r>
               <a:rPr lang="en-US" altLang="zh-CN">
                 <a:sym typeface="+mn-ea"/>
               </a:rPr>
-              <a:t>a</a:t>
-            </a:r>
-            <a:r>
-              <a:rPr lang="en-US" altLang="zh-CN">
-                <a:sym typeface="+mn-ea"/>
-              </a:rPr>
-              <a:t>bbb</a:t>
+              <a:t>dddd</a:t>
             </a:r>
             <a:endParaRPr lang="en-US" altLang="zh-CN"/>
           </a:p>
@@ -14524,13 +14240,13 @@
       </p:sp>
       <p:sp>
         <p:nvSpPr>
-          <p:cNvPr id="12" name="矩形 11"/>
+          <p:cNvPr id="11" name="矩形 10"/>
           <p:cNvSpPr/>
           <p:nvPr/>
         </p:nvSpPr>
         <p:spPr>
           <a:xfrm>
-            <a:off x="9608185" y="4090670"/>
+            <a:off x="7245985" y="4013200"/>
             <a:ext cx="1046480" cy="647065"/>
           </a:xfrm>
           <a:prstGeom prst="rect">
@@ -14558,8 +14274,16 @@
           <a:p>
             <a:pPr algn="ctr"/>
             <a:r>
-              <a:rPr lang="en-US" altLang="zh-CN"/>
-              <a:t>ccc</a:t>
+              <a:rPr lang="en-US" altLang="zh-CN">
+                <a:sym typeface="+mn-ea"/>
+              </a:rPr>
+              <a:t>a</a:t>
+            </a:r>
+            <a:r>
+              <a:rPr lang="en-US" altLang="zh-CN">
+                <a:sym typeface="+mn-ea"/>
+              </a:rPr>
+              <a:t>bbb</a:t>
             </a:r>
             <a:endParaRPr lang="en-US" altLang="zh-CN"/>
           </a:p>
@@ -14703,7 +14427,7 @@
               <a:rPr lang="en-US" altLang="zh-CN" sz="2400" dirty="0">
                 <a:sym typeface="+mn-ea"/>
               </a:rPr>
-              <a:t>4</a:t>
+              <a:t>2</a:t>
             </a:r>
             <a:r>
               <a:rPr lang="zh-CN" altLang="en-US" sz="2400" dirty="0">
@@ -14715,7 +14439,7 @@
               <a:rPr lang="en-US" altLang="zh-CN" sz="2400" dirty="0">
                 <a:sym typeface="+mn-ea"/>
               </a:rPr>
-              <a:t>d</a:t>
+              <a:t>ddddd</a:t>
             </a:r>
             <a:r>
               <a:rPr lang="zh-CN" altLang="en-US" sz="2400" dirty="0">
@@ -14727,7 +14451,7 @@
               <a:rPr lang="en-US" altLang="zh-CN" sz="2400" dirty="0">
                 <a:sym typeface="+mn-ea"/>
               </a:rPr>
-              <a:t>4</a:t>
+              <a:t>2</a:t>
             </a:r>
             <a:r>
               <a:rPr lang="zh-CN" altLang="en-US" sz="2400" dirty="0">
@@ -14791,7 +14515,7 @@
         </p:nvSpPr>
         <p:spPr>
           <a:xfrm>
-            <a:off x="6680200" y="3858895"/>
+            <a:off x="6669405" y="3858895"/>
             <a:ext cx="5184775" cy="1186180"/>
           </a:xfrm>
           <a:prstGeom prst="rect">
@@ -14870,57 +14594,14 @@
       </p:sp>
       <p:sp>
         <p:nvSpPr>
-          <p:cNvPr id="8" name="椭圆 7"/>
+          <p:cNvPr id="11" name="矩形 10"/>
           <p:cNvSpPr/>
           <p:nvPr/>
         </p:nvSpPr>
         <p:spPr>
           <a:xfrm>
-            <a:off x="1684020" y="4117975"/>
-            <a:ext cx="668020" cy="668020"/>
-          </a:xfrm>
-          <a:prstGeom prst="ellipse">
-            <a:avLst/>
-          </a:prstGeom>
-        </p:spPr>
-        <p:style>
-          <a:lnRef idx="2">
-            <a:schemeClr val="accent1">
-              <a:shade val="50000"/>
-            </a:schemeClr>
-          </a:lnRef>
-          <a:fillRef idx="1">
-            <a:schemeClr val="accent1"/>
-          </a:fillRef>
-          <a:effectRef idx="0">
-            <a:schemeClr val="accent1"/>
-          </a:effectRef>
-          <a:fontRef idx="minor">
-            <a:schemeClr val="lt1"/>
-          </a:fontRef>
-        </p:style>
-        <p:txBody>
-          <a:bodyPr rtlCol="0" anchor="ctr"/>
-          <a:p>
-            <a:pPr algn="ctr"/>
-            <a:r>
-              <a:rPr lang="en-US" altLang="zh-CN" b="1"/>
-              <a:t>2</a:t>
-            </a:r>
-            <a:endParaRPr lang="en-US" altLang="zh-CN" b="1"/>
-          </a:p>
-        </p:txBody>
-      </p:sp>
-      <p:sp>
-        <p:nvSpPr>
-          <p:cNvPr id="6" name="矩形 5"/>
-          <p:cNvSpPr/>
-          <p:nvPr/>
-        </p:nvSpPr>
-        <p:spPr>
-          <a:xfrm>
-            <a:off x="9069070" y="4013200"/>
-            <a:ext cx="1046480" cy="647065"/>
+            <a:off x="7245985" y="4013200"/>
+            <a:ext cx="3719830" cy="647065"/>
           </a:xfrm>
           <a:prstGeom prst="rect">
             <a:avLst/>
@@ -14947,55 +14628,6 @@
           <a:p>
             <a:pPr algn="ctr"/>
             <a:r>
-              <a:rPr lang="en-US" altLang="zh-CN"/>
-              <a:t>ccc</a:t>
-            </a:r>
-            <a:r>
-              <a:rPr lang="en-US" altLang="zh-CN">
-                <a:sym typeface="+mn-ea"/>
-              </a:rPr>
-              <a:t>dddd</a:t>
-            </a:r>
-            <a:endParaRPr lang="en-US" altLang="zh-CN"/>
-          </a:p>
-        </p:txBody>
-      </p:sp>
-      <p:sp>
-        <p:nvSpPr>
-          <p:cNvPr id="11" name="矩形 10"/>
-          <p:cNvSpPr/>
-          <p:nvPr/>
-        </p:nvSpPr>
-        <p:spPr>
-          <a:xfrm>
-            <a:off x="7245985" y="4013200"/>
-            <a:ext cx="1046480" cy="647065"/>
-          </a:xfrm>
-          <a:prstGeom prst="rect">
-            <a:avLst/>
-          </a:prstGeom>
-        </p:spPr>
-        <p:style>
-          <a:lnRef idx="2">
-            <a:schemeClr val="accent1">
-              <a:shade val="50000"/>
-            </a:schemeClr>
-          </a:lnRef>
-          <a:fillRef idx="1">
-            <a:schemeClr val="accent1"/>
-          </a:fillRef>
-          <a:effectRef idx="0">
-            <a:schemeClr val="accent1"/>
-          </a:effectRef>
-          <a:fontRef idx="minor">
-            <a:schemeClr val="lt1"/>
-          </a:fontRef>
-        </p:style>
-        <p:txBody>
-          <a:bodyPr rtlCol="0" anchor="ctr"/>
-          <a:p>
-            <a:pPr algn="ctr"/>
-            <a:r>
               <a:rPr lang="en-US" altLang="zh-CN">
                 <a:sym typeface="+mn-ea"/>
               </a:rPr>
@@ -15005,7 +14637,7 @@
               <a:rPr lang="en-US" altLang="zh-CN">
                 <a:sym typeface="+mn-ea"/>
               </a:rPr>
-              <a:t>bbb</a:t>
+              <a:t>bbbcccddddcccdddd</a:t>
             </a:r>
             <a:endParaRPr lang="en-US" altLang="zh-CN"/>
           </a:p>
@@ -15273,7 +14905,261 @@
       </p:sp>
       <p:sp>
         <p:nvSpPr>
-          <p:cNvPr id="5" name="椭圆 4"/>
+          <p:cNvPr id="11" name="矩形 10"/>
+          <p:cNvSpPr/>
+          <p:nvPr/>
+        </p:nvSpPr>
+        <p:spPr>
+          <a:xfrm>
+            <a:off x="6478270" y="4128770"/>
+            <a:ext cx="5713730" cy="647065"/>
+          </a:xfrm>
+          <a:prstGeom prst="rect">
+            <a:avLst/>
+          </a:prstGeom>
+        </p:spPr>
+        <p:style>
+          <a:lnRef idx="2">
+            <a:schemeClr val="accent1">
+              <a:shade val="50000"/>
+            </a:schemeClr>
+          </a:lnRef>
+          <a:fillRef idx="1">
+            <a:schemeClr val="accent1"/>
+          </a:fillRef>
+          <a:effectRef idx="0">
+            <a:schemeClr val="accent1"/>
+          </a:effectRef>
+          <a:fontRef idx="minor">
+            <a:schemeClr val="lt1"/>
+          </a:fontRef>
+        </p:style>
+        <p:txBody>
+          <a:bodyPr rtlCol="0" anchor="ctr"/>
+          <a:p>
+            <a:pPr algn="ctr"/>
+            <a:r>
+              <a:rPr lang="en-US" altLang="zh-CN">
+                <a:sym typeface="+mn-ea"/>
+              </a:rPr>
+              <a:t>abbbcccddddcccddddabbbcccddddcccdddd</a:t>
+            </a:r>
+            <a:endParaRPr lang="en-US" altLang="zh-CN"/>
+          </a:p>
+          <a:p>
+            <a:pPr algn="ctr"/>
+            <a:endParaRPr lang="en-US" altLang="zh-CN"/>
+          </a:p>
+        </p:txBody>
+      </p:sp>
+    </p:spTree>
+    <p:custDataLst>
+      <p:tags r:id="rId1"/>
+    </p:custDataLst>
+  </p:cSld>
+  <p:clrMapOvr>
+    <a:masterClrMapping/>
+  </p:clrMapOvr>
+</p:sld>
+</file>
+
+<file path=ppt/slides/slide15.xml><?xml version="1.0" encoding="utf-8"?>
+<p:sld xmlns:a="http://schemas.openxmlformats.org/drawingml/2006/main" xmlns:r="http://schemas.openxmlformats.org/officeDocument/2006/relationships" xmlns:p="http://schemas.openxmlformats.org/presentationml/2006/main">
+  <p:cSld>
+    <p:spTree>
+      <p:nvGrpSpPr>
+        <p:cNvPr id="1" name=""/>
+        <p:cNvGrpSpPr/>
+        <p:nvPr/>
+      </p:nvGrpSpPr>
+      <p:grpSpPr/>
+      <p:sp>
+        <p:nvSpPr>
+          <p:cNvPr id="2" name="标题 1"/>
+          <p:cNvSpPr>
+            <a:spLocks noGrp="1"/>
+          </p:cNvSpPr>
+          <p:nvPr>
+            <p:ph type="title"/>
+          </p:nvPr>
+        </p:nvSpPr>
+        <p:spPr/>
+        <p:txBody>
+          <a:bodyPr/>
+          <a:p>
+            <a:endParaRPr lang="zh-CN" altLang="en-US"/>
+          </a:p>
+        </p:txBody>
+      </p:sp>
+      <p:sp>
+        <p:nvSpPr>
+          <p:cNvPr id="3" name="内容占位符 2"/>
+          <p:cNvSpPr>
+            <a:spLocks noGrp="1"/>
+          </p:cNvSpPr>
+          <p:nvPr>
+            <p:ph idx="1"/>
+          </p:nvPr>
+        </p:nvSpPr>
+        <p:spPr/>
+        <p:txBody>
+          <a:bodyPr/>
+          <a:p>
+            <a:r>
+              <a:rPr lang="en-US" altLang="zh-CN"/>
+              <a:t>&lt;div&gt;</a:t>
+            </a:r>
+            <a:endParaRPr lang="en-US" altLang="zh-CN"/>
+          </a:p>
+          <a:p>
+            <a:r>
+              <a:rPr lang="en-US" altLang="zh-CN"/>
+              <a:t> &lt;h3&gt;</a:t>
+            </a:r>
+            <a:r>
+              <a:t>你好</a:t>
+            </a:r>
+            <a:r>
+              <a:rPr lang="en-US" altLang="zh-CN"/>
+              <a:t>&lt;/h3&gt;</a:t>
+            </a:r>
+            <a:endParaRPr lang="en-US" altLang="zh-CN"/>
+          </a:p>
+          <a:p>
+            <a:r>
+              <a:rPr lang="en-US" altLang="zh-CN"/>
+              <a:t>  &lt;ul&gt;</a:t>
+            </a:r>
+            <a:endParaRPr lang="en-US" altLang="zh-CN"/>
+          </a:p>
+          <a:p>
+            <a:r>
+              <a:rPr lang="en-US" altLang="zh-CN"/>
+              <a:t>   &lt;li&gt;11&lt;/li&gt;</a:t>
+            </a:r>
+            <a:endParaRPr lang="en-US" altLang="zh-CN"/>
+          </a:p>
+          <a:p>
+            <a:r>
+              <a:rPr lang="en-US" altLang="zh-CN">
+                <a:sym typeface="+mn-ea"/>
+              </a:rPr>
+              <a:t>   &lt;li&gt;22&lt;/li&gt;</a:t>
+            </a:r>
+            <a:endParaRPr lang="en-US" altLang="zh-CN"/>
+          </a:p>
+          <a:p>
+            <a:r>
+              <a:rPr lang="en-US" altLang="zh-CN">
+                <a:sym typeface="+mn-ea"/>
+              </a:rPr>
+              <a:t>   &lt;li&gt;33&lt;/li&gt;</a:t>
+            </a:r>
+            <a:endParaRPr lang="en-US" altLang="zh-CN"/>
+          </a:p>
+          <a:p>
+            <a:r>
+              <a:rPr lang="en-US" altLang="zh-CN"/>
+              <a:t>  &lt;/ul&gt;</a:t>
+            </a:r>
+            <a:endParaRPr lang="en-US" altLang="zh-CN"/>
+          </a:p>
+          <a:p>
+            <a:r>
+              <a:rPr lang="en-US" altLang="zh-CN"/>
+              <a:t>&lt;/div&gt;</a:t>
+            </a:r>
+            <a:endParaRPr lang="en-US" altLang="zh-CN"/>
+          </a:p>
+        </p:txBody>
+      </p:sp>
+      <p:sp>
+        <p:nvSpPr>
+          <p:cNvPr id="4" name="矩形 3"/>
+          <p:cNvSpPr/>
+          <p:nvPr/>
+        </p:nvSpPr>
+        <p:spPr>
+          <a:xfrm>
+            <a:off x="494030" y="4255135"/>
+            <a:ext cx="5184775" cy="1186180"/>
+          </a:xfrm>
+          <a:prstGeom prst="rect">
+            <a:avLst/>
+          </a:prstGeom>
+          <a:ln w="57150">
+            <a:solidFill>
+              <a:srgbClr val="00B0F0"/>
+            </a:solidFill>
+          </a:ln>
+        </p:spPr>
+        <p:style>
+          <a:lnRef idx="2">
+            <a:schemeClr val="accent6"/>
+          </a:lnRef>
+          <a:fillRef idx="1">
+            <a:schemeClr val="lt1"/>
+          </a:fillRef>
+          <a:effectRef idx="0">
+            <a:schemeClr val="accent6"/>
+          </a:effectRef>
+          <a:fontRef idx="minor">
+            <a:schemeClr val="dk1"/>
+          </a:fontRef>
+        </p:style>
+        <p:txBody>
+          <a:bodyPr rtlCol="0" anchor="ctr"/>
+          <a:p>
+            <a:pPr algn="ctr"/>
+            <a:endParaRPr lang="zh-CN" altLang="en-US"/>
+          </a:p>
+        </p:txBody>
+      </p:sp>
+      <p:sp>
+        <p:nvSpPr>
+          <p:cNvPr id="5" name="矩形 4"/>
+          <p:cNvSpPr/>
+          <p:nvPr/>
+        </p:nvSpPr>
+        <p:spPr>
+          <a:xfrm>
+            <a:off x="6647815" y="4255135"/>
+            <a:ext cx="5184775" cy="1186180"/>
+          </a:xfrm>
+          <a:prstGeom prst="rect">
+            <a:avLst/>
+          </a:prstGeom>
+          <a:ln w="57150">
+            <a:solidFill>
+              <a:srgbClr val="00B0F0"/>
+            </a:solidFill>
+          </a:ln>
+        </p:spPr>
+        <p:style>
+          <a:lnRef idx="2">
+            <a:schemeClr val="accent6"/>
+          </a:lnRef>
+          <a:fillRef idx="1">
+            <a:schemeClr val="lt1"/>
+          </a:fillRef>
+          <a:effectRef idx="0">
+            <a:schemeClr val="accent6"/>
+          </a:effectRef>
+          <a:fontRef idx="minor">
+            <a:schemeClr val="dk1"/>
+          </a:fontRef>
+        </p:style>
+        <p:txBody>
+          <a:bodyPr rtlCol="0" anchor="ctr"/>
+          <a:p>
+            <a:pPr algn="ctr"/>
+            <a:endParaRPr lang="zh-CN" altLang="en-US"/>
+          </a:p>
+        </p:txBody>
+      </p:sp>
+      <p:sp>
+        <p:nvSpPr>
+          <p:cNvPr id="6" name="椭圆 5"/>
           <p:cNvSpPr/>
           <p:nvPr/>
         </p:nvSpPr>
@@ -15308,7 +15194,7 @@
             <a:pPr algn="ctr"/>
             <a:r>
               <a:rPr lang="en-US" altLang="zh-CN" b="1"/>
-              <a:t>2</a:t>
+              <a:t>div</a:t>
             </a:r>
             <a:endParaRPr lang="en-US" altLang="zh-CN" b="1"/>
           </a:p>
@@ -15316,14 +15202,14 @@
       </p:sp>
       <p:sp>
         <p:nvSpPr>
-          <p:cNvPr id="11" name="矩形 10"/>
+          <p:cNvPr id="7" name="矩形 6"/>
           <p:cNvSpPr/>
           <p:nvPr/>
         </p:nvSpPr>
         <p:spPr>
           <a:xfrm>
-            <a:off x="7245985" y="4013200"/>
-            <a:ext cx="3719830" cy="647065"/>
+            <a:off x="7451090" y="4440555"/>
+            <a:ext cx="3881120" cy="1553210"/>
           </a:xfrm>
           <a:prstGeom prst="rect">
             <a:avLst/>
@@ -15350,16 +15236,51 @@
           <a:p>
             <a:pPr algn="ctr"/>
             <a:r>
+              <a:rPr lang="en-US" altLang="zh-CN"/>
+              <a:t>h3:</a:t>
+            </a:r>
+            <a:r>
+              <a:rPr lang="zh-CN" altLang="en-US"/>
+              <a:t>你好</a:t>
+            </a:r>
+            <a:endParaRPr lang="zh-CN" altLang="en-US"/>
+          </a:p>
+          <a:p>
+            <a:pPr algn="ctr"/>
+            <a:r>
+              <a:rPr lang="en-US" altLang="zh-CN"/>
+              <a:t>{</a:t>
+            </a:r>
+            <a:br>
+              <a:rPr lang="en-US" altLang="zh-CN"/>
+            </a:br>
+            <a:r>
+              <a:rPr lang="en-US" altLang="zh-CN"/>
+              <a:t>ul:{</a:t>
+            </a:r>
+            <a:r>
               <a:rPr lang="en-US" altLang="zh-CN">
                 <a:sym typeface="+mn-ea"/>
               </a:rPr>
-              <a:t>a</a:t>
+              <a:t>li:11li:22</a:t>
             </a:r>
             <a:r>
               <a:rPr lang="en-US" altLang="zh-CN">
                 <a:sym typeface="+mn-ea"/>
               </a:rPr>
-              <a:t>bbbcccddddcccdddd</a:t>
+              <a:t>li:33</a:t>
+            </a:r>
+            <a:r>
+              <a:rPr lang="en-US" altLang="zh-CN"/>
+              <a:t>}</a:t>
+            </a:r>
+            <a:endParaRPr lang="en-US" altLang="zh-CN"/>
+          </a:p>
+          <a:p>
+            <a:pPr algn="ctr"/>
+            <a:r>
+              <a:rPr lang="en-US" altLang="zh-CN"/>
+              <a:t>}</a:t>
             </a:r>
             <a:endParaRPr lang="en-US" altLang="zh-CN"/>
           </a:p>
@@ -15376,15 +15297,9 @@
 </p:sld>
 </file>
 
-<file path=ppt/slides/slide15.xml><?xml version="1.0" encoding="utf-8"?>
+<file path=ppt/slides/slide16.xml><?xml version="1.0" encoding="utf-8"?>
 <p:sld xmlns:a="http://schemas.openxmlformats.org/drawingml/2006/main" xmlns:r="http://schemas.openxmlformats.org/officeDocument/2006/relationships" xmlns:p="http://schemas.openxmlformats.org/presentationml/2006/main">
   <p:cSld>
-    <p:bg>
-      <p:bgPr>
-        <a:noFill/>
-        <a:effectLst/>
-      </p:bgPr>
-    </p:bg>
     <p:spTree>
       <p:nvGrpSpPr>
         <p:cNvPr id="1" name=""/>
@@ -15406,271 +15321,25 @@
         <p:txBody>
           <a:bodyPr/>
           <a:p>
-            <a:r>
-              <a:rPr b="0">
-                <a:sym typeface="+mn-ea"/>
-              </a:rPr>
-              <a:t>准备工作</a:t>
-            </a:r>
-            <a:endParaRPr b="0">
-              <a:solidFill>
-                <a:srgbClr val="000000"/>
-              </a:solidFill>
-              <a:sym typeface="+mn-ea"/>
-            </a:endParaRPr>
-          </a:p>
-        </p:txBody>
-      </p:sp>
-      <p:sp>
-        <p:nvSpPr>
-          <p:cNvPr id="13" name="object 11"/>
-          <p:cNvSpPr txBox="1"/>
-          <p:nvPr/>
-        </p:nvSpPr>
-        <p:spPr>
-          <a:xfrm>
-            <a:off x="981075" y="1110615"/>
-            <a:ext cx="11114405" cy="1133475"/>
-          </a:xfrm>
-          <a:prstGeom prst="rect">
-            <a:avLst/>
-          </a:prstGeom>
-        </p:spPr>
-        <p:txBody>
-          <a:bodyPr vert="horz" wrap="square" lIns="0" tIns="12700" rIns="0" bIns="0" rtlCol="0">
-            <a:spAutoFit/>
-          </a:bodyPr>
-          <a:lstStyle/>
-          <a:p>
-            <a:pPr marL="12065" marR="168910" indent="0">
-              <a:lnSpc>
-                <a:spcPct val="150000"/>
-              </a:lnSpc>
-              <a:spcBef>
-                <a:spcPts val="100"/>
-              </a:spcBef>
-              <a:buFont typeface="Arial" panose="020B0604020202020204"/>
-              <a:buNone/>
-              <a:tabLst>
-                <a:tab pos="299085" algn="l"/>
-                <a:tab pos="299720" algn="l"/>
-              </a:tabLst>
-            </a:pPr>
-            <a:r>
-              <a:rPr sz="2400" dirty="0">
-                <a:sym typeface="+mn-ea"/>
-              </a:rPr>
-              <a:t>2[1[a]3[b]2[3[c]4[d]]]</a:t>
-            </a:r>
-            <a:endParaRPr sz="2400" dirty="0">
-              <a:sym typeface="+mn-ea"/>
-            </a:endParaRPr>
-          </a:p>
-          <a:p>
-            <a:pPr marL="12065" marR="168910" indent="0">
-              <a:lnSpc>
-                <a:spcPct val="150000"/>
-              </a:lnSpc>
-              <a:spcBef>
-                <a:spcPts val="100"/>
-              </a:spcBef>
-              <a:buFont typeface="Arial" panose="020B0604020202020204"/>
-              <a:buNone/>
-              <a:tabLst>
-                <a:tab pos="299085" algn="l"/>
-                <a:tab pos="299720" algn="l"/>
-              </a:tabLst>
-            </a:pPr>
-            <a:r>
-              <a:rPr lang="zh-CN" altLang="en-US" sz="2400" dirty="0">
-                <a:sym typeface="+mn-ea"/>
-              </a:rPr>
-              <a:t>遇到</a:t>
-            </a:r>
-            <a:r>
-              <a:rPr lang="en-US" altLang="zh-CN" sz="2400" dirty="0">
-                <a:sym typeface="+mn-ea"/>
-              </a:rPr>
-              <a:t>]</a:t>
-            </a:r>
-            <a:r>
-              <a:rPr lang="zh-CN" altLang="en-US" sz="2400" dirty="0">
-                <a:sym typeface="+mn-ea"/>
-              </a:rPr>
-              <a:t>，数字顶栈</a:t>
-            </a:r>
-            <a:r>
-              <a:rPr lang="en-US" altLang="zh-CN" sz="2400" dirty="0">
-                <a:sym typeface="+mn-ea"/>
-              </a:rPr>
-              <a:t>2</a:t>
-            </a:r>
-            <a:r>
-              <a:rPr lang="zh-CN" altLang="en-US" sz="2400" dirty="0">
-                <a:sym typeface="+mn-ea"/>
-              </a:rPr>
-              <a:t>出站，字母顶栈</a:t>
-            </a:r>
-            <a:r>
-              <a:rPr lang="en-US" altLang="zh-CN" sz="2400" dirty="0">
-                <a:sym typeface="+mn-ea"/>
-              </a:rPr>
-              <a:t>ddddd</a:t>
-            </a:r>
-            <a:r>
-              <a:rPr lang="zh-CN" altLang="en-US" sz="2400" dirty="0">
-                <a:sym typeface="+mn-ea"/>
-              </a:rPr>
-              <a:t>重复</a:t>
-            </a:r>
-            <a:r>
-              <a:rPr lang="en-US" altLang="zh-CN" sz="2400" dirty="0">
-                <a:sym typeface="+mn-ea"/>
-              </a:rPr>
-              <a:t>2</a:t>
-            </a:r>
-            <a:r>
-              <a:rPr lang="zh-CN" altLang="en-US" sz="2400" dirty="0">
-                <a:sym typeface="+mn-ea"/>
-              </a:rPr>
-              <a:t>次，替换顶栈</a:t>
-            </a:r>
-            <a:endParaRPr lang="en-US" altLang="zh-CN" sz="2400" dirty="0">
-              <a:sym typeface="+mn-ea"/>
-            </a:endParaRPr>
-          </a:p>
-        </p:txBody>
-      </p:sp>
-      <p:sp>
-        <p:nvSpPr>
-          <p:cNvPr id="3" name="矩形 2"/>
-          <p:cNvSpPr/>
-          <p:nvPr/>
-        </p:nvSpPr>
-        <p:spPr>
-          <a:xfrm>
-            <a:off x="537210" y="3858895"/>
-            <a:ext cx="5184775" cy="1186180"/>
-          </a:xfrm>
-          <a:prstGeom prst="rect">
-            <a:avLst/>
-          </a:prstGeom>
-          <a:ln w="57150">
-            <a:solidFill>
-              <a:srgbClr val="00B0F0"/>
-            </a:solidFill>
-          </a:ln>
-        </p:spPr>
-        <p:style>
-          <a:lnRef idx="2">
-            <a:schemeClr val="accent6"/>
-          </a:lnRef>
-          <a:fillRef idx="1">
-            <a:schemeClr val="lt1"/>
-          </a:fillRef>
-          <a:effectRef idx="0">
-            <a:schemeClr val="accent6"/>
-          </a:effectRef>
-          <a:fontRef idx="minor">
-            <a:schemeClr val="dk1"/>
-          </a:fontRef>
-        </p:style>
-        <p:txBody>
-          <a:bodyPr rtlCol="0" anchor="ctr"/>
-          <a:p>
-            <a:pPr algn="ctr"/>
             <a:endParaRPr lang="zh-CN" altLang="en-US"/>
           </a:p>
         </p:txBody>
       </p:sp>
       <p:sp>
         <p:nvSpPr>
-          <p:cNvPr id="4" name="矩形 3"/>
-          <p:cNvSpPr/>
-          <p:nvPr/>
-        </p:nvSpPr>
-        <p:spPr>
-          <a:xfrm>
-            <a:off x="6669405" y="3858895"/>
-            <a:ext cx="5184775" cy="1186180"/>
-          </a:xfrm>
-          <a:prstGeom prst="rect">
-            <a:avLst/>
-          </a:prstGeom>
-          <a:ln w="57150">
-            <a:solidFill>
-              <a:srgbClr val="00B0F0"/>
-            </a:solidFill>
-          </a:ln>
-        </p:spPr>
-        <p:style>
-          <a:lnRef idx="2">
-            <a:schemeClr val="accent6"/>
-          </a:lnRef>
-          <a:fillRef idx="1">
-            <a:schemeClr val="lt1"/>
-          </a:fillRef>
-          <a:effectRef idx="0">
-            <a:schemeClr val="accent6"/>
-          </a:effectRef>
-          <a:fontRef idx="minor">
-            <a:schemeClr val="dk1"/>
-          </a:fontRef>
-        </p:style>
-        <p:txBody>
-          <a:bodyPr rtlCol="0" anchor="ctr"/>
-          <a:p>
-            <a:pPr algn="ctr"/>
+          <p:cNvPr id="3" name="内容占位符 2"/>
+          <p:cNvSpPr>
+            <a:spLocks noGrp="1"/>
+          </p:cNvSpPr>
+          <p:nvPr>
+            <p:ph idx="1"/>
+          </p:nvPr>
+        </p:nvSpPr>
+        <p:spPr/>
+        <p:txBody>
+          <a:bodyPr/>
+          <a:p>
             <a:endParaRPr lang="zh-CN" altLang="en-US"/>
-          </a:p>
-        </p:txBody>
-      </p:sp>
-      <p:sp>
-        <p:nvSpPr>
-          <p:cNvPr id="11" name="矩形 10"/>
-          <p:cNvSpPr/>
-          <p:nvPr/>
-        </p:nvSpPr>
-        <p:spPr>
-          <a:xfrm>
-            <a:off x="6478270" y="4128770"/>
-            <a:ext cx="5713730" cy="647065"/>
-          </a:xfrm>
-          <a:prstGeom prst="rect">
-            <a:avLst/>
-          </a:prstGeom>
-        </p:spPr>
-        <p:style>
-          <a:lnRef idx="2">
-            <a:schemeClr val="accent1">
-              <a:shade val="50000"/>
-            </a:schemeClr>
-          </a:lnRef>
-          <a:fillRef idx="1">
-            <a:schemeClr val="accent1"/>
-          </a:fillRef>
-          <a:effectRef idx="0">
-            <a:schemeClr val="accent1"/>
-          </a:effectRef>
-          <a:fontRef idx="minor">
-            <a:schemeClr val="lt1"/>
-          </a:fontRef>
-        </p:style>
-        <p:txBody>
-          <a:bodyPr rtlCol="0" anchor="ctr"/>
-          <a:p>
-            <a:pPr algn="ctr"/>
-            <a:r>
-              <a:rPr lang="en-US" altLang="zh-CN">
-                <a:sym typeface="+mn-ea"/>
-              </a:rPr>
-              <a:t>abbbcccddddcccddddabbbcccddddcccdddd</a:t>
-            </a:r>
-            <a:endParaRPr lang="en-US" altLang="zh-CN"/>
-          </a:p>
-          <a:p>
-            <a:pPr algn="ctr"/>
-            <a:endParaRPr lang="en-US" altLang="zh-CN"/>
           </a:p>
         </p:txBody>
       </p:sp>
@@ -15694,1200 +15363,6 @@
         <p:cNvGrpSpPr/>
         <p:nvPr/>
       </p:nvGrpSpPr>
-      <p:grpSpPr>
-        <a:xfrm>
-          <a:off x="0" y="0"/>
-          <a:ext cx="0" cy="0"/>
-          <a:chOff x="0" y="0"/>
-          <a:chExt cx="0" cy="0"/>
-        </a:xfrm>
-      </p:grpSpPr>
-      <p:sp>
-        <p:nvSpPr>
-          <p:cNvPr id="8" name="文本框 12"/>
-          <p:cNvSpPr txBox="1"/>
-          <p:nvPr>
-            <p:custDataLst>
-              <p:tags r:id="rId1"/>
-            </p:custDataLst>
-          </p:nvPr>
-        </p:nvSpPr>
-        <p:spPr>
-          <a:xfrm>
-            <a:off x="6616298" y="1494233"/>
-            <a:ext cx="527709" cy="830997"/>
-          </a:xfrm>
-          <a:prstGeom prst="rect">
-            <a:avLst/>
-          </a:prstGeom>
-          <a:noFill/>
-        </p:spPr>
-        <p:txBody>
-          <a:bodyPr wrap="square" rtlCol="0">
-            <a:normAutofit/>
-          </a:bodyPr>
-          <a:lstStyle>
-            <a:defPPr>
-              <a:defRPr lang="id-ID"/>
-            </a:defPPr>
-            <a:lvl1pPr marL="0" algn="l" defTabSz="914400" rtl="0" eaLnBrk="1" latinLnBrk="0" hangingPunct="1">
-              <a:defRPr sz="1800" kern="1200">
-                <a:solidFill>
-                  <a:schemeClr val="tx1"/>
-                </a:solidFill>
-                <a:latin typeface="+mn-lt"/>
-                <a:ea typeface="+mn-ea"/>
-                <a:cs typeface="+mn-cs"/>
-              </a:defRPr>
-            </a:lvl1pPr>
-            <a:lvl2pPr marL="457200" algn="l" defTabSz="914400" rtl="0" eaLnBrk="1" latinLnBrk="0" hangingPunct="1">
-              <a:defRPr sz="1800" kern="1200">
-                <a:solidFill>
-                  <a:schemeClr val="tx1"/>
-                </a:solidFill>
-                <a:latin typeface="+mn-lt"/>
-                <a:ea typeface="+mn-ea"/>
-                <a:cs typeface="+mn-cs"/>
-              </a:defRPr>
-            </a:lvl2pPr>
-            <a:lvl3pPr marL="914400" algn="l" defTabSz="914400" rtl="0" eaLnBrk="1" latinLnBrk="0" hangingPunct="1">
-              <a:defRPr sz="1800" kern="1200">
-                <a:solidFill>
-                  <a:schemeClr val="tx1"/>
-                </a:solidFill>
-                <a:latin typeface="+mn-lt"/>
-                <a:ea typeface="+mn-ea"/>
-                <a:cs typeface="+mn-cs"/>
-              </a:defRPr>
-            </a:lvl3pPr>
-            <a:lvl4pPr marL="1371600" algn="l" defTabSz="914400" rtl="0" eaLnBrk="1" latinLnBrk="0" hangingPunct="1">
-              <a:defRPr sz="1800" kern="1200">
-                <a:solidFill>
-                  <a:schemeClr val="tx1"/>
-                </a:solidFill>
-                <a:latin typeface="+mn-lt"/>
-                <a:ea typeface="+mn-ea"/>
-                <a:cs typeface="+mn-cs"/>
-              </a:defRPr>
-            </a:lvl4pPr>
-            <a:lvl5pPr marL="1828800" algn="l" defTabSz="914400" rtl="0" eaLnBrk="1" latinLnBrk="0" hangingPunct="1">
-              <a:defRPr sz="1800" kern="1200">
-                <a:solidFill>
-                  <a:schemeClr val="tx1"/>
-                </a:solidFill>
-                <a:latin typeface="+mn-lt"/>
-                <a:ea typeface="+mn-ea"/>
-                <a:cs typeface="+mn-cs"/>
-              </a:defRPr>
-            </a:lvl5pPr>
-            <a:lvl6pPr marL="2286000" algn="l" defTabSz="914400" rtl="0" eaLnBrk="1" latinLnBrk="0" hangingPunct="1">
-              <a:defRPr sz="1800" kern="1200">
-                <a:solidFill>
-                  <a:schemeClr val="tx1"/>
-                </a:solidFill>
-                <a:latin typeface="+mn-lt"/>
-                <a:ea typeface="+mn-ea"/>
-                <a:cs typeface="+mn-cs"/>
-              </a:defRPr>
-            </a:lvl6pPr>
-            <a:lvl7pPr marL="2743200" algn="l" defTabSz="914400" rtl="0" eaLnBrk="1" latinLnBrk="0" hangingPunct="1">
-              <a:defRPr sz="1800" kern="1200">
-                <a:solidFill>
-                  <a:schemeClr val="tx1"/>
-                </a:solidFill>
-                <a:latin typeface="+mn-lt"/>
-                <a:ea typeface="+mn-ea"/>
-                <a:cs typeface="+mn-cs"/>
-              </a:defRPr>
-            </a:lvl7pPr>
-            <a:lvl8pPr marL="3200400" algn="l" defTabSz="914400" rtl="0" eaLnBrk="1" latinLnBrk="0" hangingPunct="1">
-              <a:defRPr sz="1800" kern="1200">
-                <a:solidFill>
-                  <a:schemeClr val="tx1"/>
-                </a:solidFill>
-                <a:latin typeface="+mn-lt"/>
-                <a:ea typeface="+mn-ea"/>
-                <a:cs typeface="+mn-cs"/>
-              </a:defRPr>
-            </a:lvl8pPr>
-            <a:lvl9pPr marL="3657600" algn="l" defTabSz="914400" rtl="0" eaLnBrk="1" latinLnBrk="0" hangingPunct="1">
-              <a:defRPr sz="1800" kern="1200">
-                <a:solidFill>
-                  <a:schemeClr val="tx1"/>
-                </a:solidFill>
-                <a:latin typeface="+mn-lt"/>
-                <a:ea typeface="+mn-ea"/>
-                <a:cs typeface="+mn-cs"/>
-              </a:defRPr>
-            </a:lvl9pPr>
-          </a:lstStyle>
-          <a:p>
-            <a:r>
-              <a:rPr lang="en-US" altLang="zh-CN" sz="4800" dirty="0">
-                <a:solidFill>
-                  <a:schemeClr val="accent1"/>
-                </a:solidFill>
-                <a:latin typeface="Arial" panose="020B0604020202020204" pitchFamily="34" charset="0"/>
-                <a:ea typeface="微软雅黑" panose="020B0503020204020204" charset="-122"/>
-                <a:cs typeface="Arial" panose="020B0604020202020204" pitchFamily="34" charset="0"/>
-                <a:sym typeface="+mn-lt"/>
-              </a:rPr>
-              <a:t>1</a:t>
-            </a:r>
-            <a:endParaRPr lang="zh-CN" altLang="en-US" sz="4800" dirty="0">
-              <a:solidFill>
-                <a:schemeClr val="accent1"/>
-              </a:solidFill>
-              <a:latin typeface="Arial" panose="020B0604020202020204" pitchFamily="34" charset="0"/>
-              <a:ea typeface="微软雅黑" panose="020B0503020204020204" charset="-122"/>
-              <a:cs typeface="Arial" panose="020B0604020202020204" pitchFamily="34" charset="0"/>
-              <a:sym typeface="+mn-lt"/>
-            </a:endParaRPr>
-          </a:p>
-        </p:txBody>
-      </p:sp>
-      <p:sp>
-        <p:nvSpPr>
-          <p:cNvPr id="10" name="TextBox 2"/>
-          <p:cNvSpPr txBox="1"/>
-          <p:nvPr>
-            <p:custDataLst>
-              <p:tags r:id="rId2"/>
-            </p:custDataLst>
-          </p:nvPr>
-        </p:nvSpPr>
-        <p:spPr>
-          <a:xfrm>
-            <a:off x="7639457" y="1795050"/>
-            <a:ext cx="3768686" cy="374919"/>
-          </a:xfrm>
-          <a:prstGeom prst="rect">
-            <a:avLst/>
-          </a:prstGeom>
-          <a:noFill/>
-        </p:spPr>
-        <p:txBody>
-          <a:bodyPr wrap="square" rtlCol="0">
-            <a:normAutofit fontScale="97500"/>
-          </a:bodyPr>
-          <a:lstStyle/>
-          <a:p>
-            <a:r>
-              <a:rPr lang="zh-CN" altLang="en-US" spc="150">
-                <a:solidFill>
-                  <a:schemeClr val="tx1">
-                    <a:lumMod val="65000"/>
-                    <a:lumOff val="35000"/>
-                  </a:schemeClr>
-                </a:solidFill>
-                <a:latin typeface="Arial" panose="020B0604020202020204" pitchFamily="34" charset="0"/>
-                <a:ea typeface="微软雅黑" panose="020B0503020204020204" charset="-122"/>
-                <a:cs typeface="微软雅黑" panose="020B0503020204020204" charset="-122"/>
-                <a:sym typeface="+mn-lt"/>
-              </a:rPr>
-              <a:t>单击此处添加文本具体内容</a:t>
-            </a:r>
-            <a:endParaRPr lang="zh-CN" altLang="en-US" spc="150">
-              <a:solidFill>
-                <a:schemeClr val="tx1">
-                  <a:lumMod val="65000"/>
-                  <a:lumOff val="35000"/>
-                </a:schemeClr>
-              </a:solidFill>
-              <a:latin typeface="Arial" panose="020B0604020202020204" pitchFamily="34" charset="0"/>
-              <a:ea typeface="微软雅黑" panose="020B0503020204020204" charset="-122"/>
-              <a:cs typeface="微软雅黑" panose="020B0503020204020204" charset="-122"/>
-              <a:sym typeface="+mn-lt"/>
-            </a:endParaRPr>
-          </a:p>
-        </p:txBody>
-      </p:sp>
-      <p:sp>
-        <p:nvSpPr>
-          <p:cNvPr id="11" name="椭圆 10"/>
-          <p:cNvSpPr/>
-          <p:nvPr>
-            <p:custDataLst>
-              <p:tags r:id="rId3"/>
-            </p:custDataLst>
-          </p:nvPr>
-        </p:nvSpPr>
-        <p:spPr>
-          <a:xfrm flipH="1">
-            <a:off x="7264367" y="1982510"/>
-            <a:ext cx="162220" cy="162220"/>
-          </a:xfrm>
-          <a:prstGeom prst="ellipse">
-            <a:avLst/>
-          </a:prstGeom>
-          <a:solidFill>
-            <a:schemeClr val="accent1"/>
-          </a:solidFill>
-          <a:ln>
-            <a:noFill/>
-          </a:ln>
-        </p:spPr>
-        <p:style>
-          <a:lnRef idx="2">
-            <a:schemeClr val="accent1">
-              <a:shade val="50000"/>
-            </a:schemeClr>
-          </a:lnRef>
-          <a:fillRef idx="1">
-            <a:schemeClr val="accent1"/>
-          </a:fillRef>
-          <a:effectRef idx="0">
-            <a:schemeClr val="accent1"/>
-          </a:effectRef>
-          <a:fontRef idx="minor">
-            <a:schemeClr val="lt1"/>
-          </a:fontRef>
-        </p:style>
-        <p:txBody>
-          <a:bodyPr wrap="square" rtlCol="0" anchor="ctr">
-            <a:normAutofit fontScale="25000" lnSpcReduction="20000"/>
-          </a:bodyPr>
-          <a:lstStyle/>
-          <a:p>
-            <a:pPr algn="ctr"/>
-            <a:endParaRPr kumimoji="1" lang="zh-CN" altLang="en-US">
-              <a:solidFill>
-                <a:srgbClr val="552B27"/>
-              </a:solidFill>
-              <a:latin typeface="Arial" panose="020B0604020202020204" pitchFamily="34" charset="0"/>
-              <a:ea typeface="微软雅黑" panose="020B0503020204020204" charset="-122"/>
-            </a:endParaRPr>
-          </a:p>
-        </p:txBody>
-      </p:sp>
-      <p:sp>
-        <p:nvSpPr>
-          <p:cNvPr id="12" name="文本框 12"/>
-          <p:cNvSpPr txBox="1"/>
-          <p:nvPr>
-            <p:custDataLst>
-              <p:tags r:id="rId4"/>
-            </p:custDataLst>
-          </p:nvPr>
-        </p:nvSpPr>
-        <p:spPr>
-          <a:xfrm>
-            <a:off x="6616298" y="2713422"/>
-            <a:ext cx="527709" cy="830997"/>
-          </a:xfrm>
-          <a:prstGeom prst="rect">
-            <a:avLst/>
-          </a:prstGeom>
-          <a:noFill/>
-        </p:spPr>
-        <p:txBody>
-          <a:bodyPr wrap="square" rtlCol="0">
-            <a:normAutofit/>
-          </a:bodyPr>
-          <a:lstStyle>
-            <a:defPPr>
-              <a:defRPr lang="id-ID"/>
-            </a:defPPr>
-            <a:lvl1pPr marL="0" algn="l" defTabSz="914400" rtl="0" eaLnBrk="1" latinLnBrk="0" hangingPunct="1">
-              <a:defRPr sz="1800" kern="1200">
-                <a:solidFill>
-                  <a:schemeClr val="tx1"/>
-                </a:solidFill>
-                <a:latin typeface="+mn-lt"/>
-                <a:ea typeface="+mn-ea"/>
-                <a:cs typeface="+mn-cs"/>
-              </a:defRPr>
-            </a:lvl1pPr>
-            <a:lvl2pPr marL="457200" algn="l" defTabSz="914400" rtl="0" eaLnBrk="1" latinLnBrk="0" hangingPunct="1">
-              <a:defRPr sz="1800" kern="1200">
-                <a:solidFill>
-                  <a:schemeClr val="tx1"/>
-                </a:solidFill>
-                <a:latin typeface="+mn-lt"/>
-                <a:ea typeface="+mn-ea"/>
-                <a:cs typeface="+mn-cs"/>
-              </a:defRPr>
-            </a:lvl2pPr>
-            <a:lvl3pPr marL="914400" algn="l" defTabSz="914400" rtl="0" eaLnBrk="1" latinLnBrk="0" hangingPunct="1">
-              <a:defRPr sz="1800" kern="1200">
-                <a:solidFill>
-                  <a:schemeClr val="tx1"/>
-                </a:solidFill>
-                <a:latin typeface="+mn-lt"/>
-                <a:ea typeface="+mn-ea"/>
-                <a:cs typeface="+mn-cs"/>
-              </a:defRPr>
-            </a:lvl3pPr>
-            <a:lvl4pPr marL="1371600" algn="l" defTabSz="914400" rtl="0" eaLnBrk="1" latinLnBrk="0" hangingPunct="1">
-              <a:defRPr sz="1800" kern="1200">
-                <a:solidFill>
-                  <a:schemeClr val="tx1"/>
-                </a:solidFill>
-                <a:latin typeface="+mn-lt"/>
-                <a:ea typeface="+mn-ea"/>
-                <a:cs typeface="+mn-cs"/>
-              </a:defRPr>
-            </a:lvl4pPr>
-            <a:lvl5pPr marL="1828800" algn="l" defTabSz="914400" rtl="0" eaLnBrk="1" latinLnBrk="0" hangingPunct="1">
-              <a:defRPr sz="1800" kern="1200">
-                <a:solidFill>
-                  <a:schemeClr val="tx1"/>
-                </a:solidFill>
-                <a:latin typeface="+mn-lt"/>
-                <a:ea typeface="+mn-ea"/>
-                <a:cs typeface="+mn-cs"/>
-              </a:defRPr>
-            </a:lvl5pPr>
-            <a:lvl6pPr marL="2286000" algn="l" defTabSz="914400" rtl="0" eaLnBrk="1" latinLnBrk="0" hangingPunct="1">
-              <a:defRPr sz="1800" kern="1200">
-                <a:solidFill>
-                  <a:schemeClr val="tx1"/>
-                </a:solidFill>
-                <a:latin typeface="+mn-lt"/>
-                <a:ea typeface="+mn-ea"/>
-                <a:cs typeface="+mn-cs"/>
-              </a:defRPr>
-            </a:lvl6pPr>
-            <a:lvl7pPr marL="2743200" algn="l" defTabSz="914400" rtl="0" eaLnBrk="1" latinLnBrk="0" hangingPunct="1">
-              <a:defRPr sz="1800" kern="1200">
-                <a:solidFill>
-                  <a:schemeClr val="tx1"/>
-                </a:solidFill>
-                <a:latin typeface="+mn-lt"/>
-                <a:ea typeface="+mn-ea"/>
-                <a:cs typeface="+mn-cs"/>
-              </a:defRPr>
-            </a:lvl7pPr>
-            <a:lvl8pPr marL="3200400" algn="l" defTabSz="914400" rtl="0" eaLnBrk="1" latinLnBrk="0" hangingPunct="1">
-              <a:defRPr sz="1800" kern="1200">
-                <a:solidFill>
-                  <a:schemeClr val="tx1"/>
-                </a:solidFill>
-                <a:latin typeface="+mn-lt"/>
-                <a:ea typeface="+mn-ea"/>
-                <a:cs typeface="+mn-cs"/>
-              </a:defRPr>
-            </a:lvl8pPr>
-            <a:lvl9pPr marL="3657600" algn="l" defTabSz="914400" rtl="0" eaLnBrk="1" latinLnBrk="0" hangingPunct="1">
-              <a:defRPr sz="1800" kern="1200">
-                <a:solidFill>
-                  <a:schemeClr val="tx1"/>
-                </a:solidFill>
-                <a:latin typeface="+mn-lt"/>
-                <a:ea typeface="+mn-ea"/>
-                <a:cs typeface="+mn-cs"/>
-              </a:defRPr>
-            </a:lvl9pPr>
-          </a:lstStyle>
-          <a:p>
-            <a:r>
-              <a:rPr lang="en-US" altLang="zh-CN" sz="4800" dirty="0">
-                <a:solidFill>
-                  <a:schemeClr val="accent1"/>
-                </a:solidFill>
-                <a:latin typeface="Arial" panose="020B0604020202020204" pitchFamily="34" charset="0"/>
-                <a:ea typeface="微软雅黑" panose="020B0503020204020204" charset="-122"/>
-                <a:cs typeface="Arial" panose="020B0604020202020204" pitchFamily="34" charset="0"/>
-                <a:sym typeface="+mn-lt"/>
-              </a:rPr>
-              <a:t>2</a:t>
-            </a:r>
-            <a:endParaRPr lang="en-US" altLang="zh-CN" sz="4800" dirty="0">
-              <a:solidFill>
-                <a:schemeClr val="accent1"/>
-              </a:solidFill>
-              <a:latin typeface="Arial" panose="020B0604020202020204" pitchFamily="34" charset="0"/>
-              <a:ea typeface="微软雅黑" panose="020B0503020204020204" charset="-122"/>
-              <a:cs typeface="Arial" panose="020B0604020202020204" pitchFamily="34" charset="0"/>
-              <a:sym typeface="+mn-lt"/>
-            </a:endParaRPr>
-          </a:p>
-        </p:txBody>
-      </p:sp>
-      <p:sp>
-        <p:nvSpPr>
-          <p:cNvPr id="14" name="TextBox 2"/>
-          <p:cNvSpPr txBox="1"/>
-          <p:nvPr>
-            <p:custDataLst>
-              <p:tags r:id="rId5"/>
-            </p:custDataLst>
-          </p:nvPr>
-        </p:nvSpPr>
-        <p:spPr>
-          <a:xfrm>
-            <a:off x="7639457" y="3014239"/>
-            <a:ext cx="3768686" cy="374919"/>
-          </a:xfrm>
-          <a:prstGeom prst="rect">
-            <a:avLst/>
-          </a:prstGeom>
-          <a:noFill/>
-        </p:spPr>
-        <p:txBody>
-          <a:bodyPr wrap="square" rtlCol="0">
-            <a:normAutofit fontScale="97500"/>
-          </a:bodyPr>
-          <a:lstStyle/>
-          <a:p>
-            <a:r>
-              <a:rPr lang="zh-CN" altLang="en-US" spc="150">
-                <a:solidFill>
-                  <a:schemeClr val="tx1">
-                    <a:lumMod val="65000"/>
-                    <a:lumOff val="35000"/>
-                  </a:schemeClr>
-                </a:solidFill>
-                <a:latin typeface="Arial" panose="020B0604020202020204" pitchFamily="34" charset="0"/>
-                <a:ea typeface="微软雅黑" panose="020B0503020204020204" charset="-122"/>
-                <a:cs typeface="微软雅黑" panose="020B0503020204020204" charset="-122"/>
-                <a:sym typeface="+mn-lt"/>
-              </a:rPr>
-              <a:t>单击此处添加文本具体内容</a:t>
-            </a:r>
-            <a:endParaRPr lang="zh-CN" altLang="en-US" spc="150">
-              <a:solidFill>
-                <a:schemeClr val="tx1">
-                  <a:lumMod val="65000"/>
-                  <a:lumOff val="35000"/>
-                </a:schemeClr>
-              </a:solidFill>
-              <a:latin typeface="Arial" panose="020B0604020202020204" pitchFamily="34" charset="0"/>
-              <a:ea typeface="微软雅黑" panose="020B0503020204020204" charset="-122"/>
-              <a:cs typeface="微软雅黑" panose="020B0503020204020204" charset="-122"/>
-              <a:sym typeface="+mn-lt"/>
-            </a:endParaRPr>
-          </a:p>
-        </p:txBody>
-      </p:sp>
-      <p:sp>
-        <p:nvSpPr>
-          <p:cNvPr id="15" name="椭圆 14"/>
-          <p:cNvSpPr/>
-          <p:nvPr>
-            <p:custDataLst>
-              <p:tags r:id="rId6"/>
-            </p:custDataLst>
-          </p:nvPr>
-        </p:nvSpPr>
-        <p:spPr>
-          <a:xfrm flipH="1">
-            <a:off x="7264367" y="3201699"/>
-            <a:ext cx="162220" cy="162220"/>
-          </a:xfrm>
-          <a:prstGeom prst="ellipse">
-            <a:avLst/>
-          </a:prstGeom>
-          <a:solidFill>
-            <a:schemeClr val="accent2"/>
-          </a:solidFill>
-          <a:ln>
-            <a:noFill/>
-          </a:ln>
-        </p:spPr>
-        <p:style>
-          <a:lnRef idx="2">
-            <a:schemeClr val="accent1">
-              <a:shade val="50000"/>
-            </a:schemeClr>
-          </a:lnRef>
-          <a:fillRef idx="1">
-            <a:schemeClr val="accent1"/>
-          </a:fillRef>
-          <a:effectRef idx="0">
-            <a:schemeClr val="accent1"/>
-          </a:effectRef>
-          <a:fontRef idx="minor">
-            <a:schemeClr val="lt1"/>
-          </a:fontRef>
-        </p:style>
-        <p:txBody>
-          <a:bodyPr wrap="square" rtlCol="0" anchor="ctr">
-            <a:normAutofit fontScale="25000" lnSpcReduction="20000"/>
-          </a:bodyPr>
-          <a:lstStyle/>
-          <a:p>
-            <a:pPr algn="ctr"/>
-            <a:endParaRPr kumimoji="1" lang="zh-CN" altLang="en-US">
-              <a:solidFill>
-                <a:schemeClr val="accent1"/>
-              </a:solidFill>
-              <a:latin typeface="Arial" panose="020B0604020202020204" pitchFamily="34" charset="0"/>
-              <a:ea typeface="微软雅黑" panose="020B0503020204020204" charset="-122"/>
-            </a:endParaRPr>
-          </a:p>
-        </p:txBody>
-      </p:sp>
-      <p:sp>
-        <p:nvSpPr>
-          <p:cNvPr id="16" name="文本框 12"/>
-          <p:cNvSpPr txBox="1"/>
-          <p:nvPr>
-            <p:custDataLst>
-              <p:tags r:id="rId7"/>
-            </p:custDataLst>
-          </p:nvPr>
-        </p:nvSpPr>
-        <p:spPr>
-          <a:xfrm>
-            <a:off x="6616298" y="3933098"/>
-            <a:ext cx="527709" cy="830997"/>
-          </a:xfrm>
-          <a:prstGeom prst="rect">
-            <a:avLst/>
-          </a:prstGeom>
-          <a:noFill/>
-        </p:spPr>
-        <p:txBody>
-          <a:bodyPr wrap="square" rtlCol="0">
-            <a:normAutofit/>
-          </a:bodyPr>
-          <a:lstStyle>
-            <a:defPPr>
-              <a:defRPr lang="id-ID"/>
-            </a:defPPr>
-            <a:lvl1pPr marL="0" algn="l" defTabSz="914400" rtl="0" eaLnBrk="1" latinLnBrk="0" hangingPunct="1">
-              <a:defRPr sz="1800" kern="1200">
-                <a:solidFill>
-                  <a:schemeClr val="tx1"/>
-                </a:solidFill>
-                <a:latin typeface="+mn-lt"/>
-                <a:ea typeface="+mn-ea"/>
-                <a:cs typeface="+mn-cs"/>
-              </a:defRPr>
-            </a:lvl1pPr>
-            <a:lvl2pPr marL="457200" algn="l" defTabSz="914400" rtl="0" eaLnBrk="1" latinLnBrk="0" hangingPunct="1">
-              <a:defRPr sz="1800" kern="1200">
-                <a:solidFill>
-                  <a:schemeClr val="tx1"/>
-                </a:solidFill>
-                <a:latin typeface="+mn-lt"/>
-                <a:ea typeface="+mn-ea"/>
-                <a:cs typeface="+mn-cs"/>
-              </a:defRPr>
-            </a:lvl2pPr>
-            <a:lvl3pPr marL="914400" algn="l" defTabSz="914400" rtl="0" eaLnBrk="1" latinLnBrk="0" hangingPunct="1">
-              <a:defRPr sz="1800" kern="1200">
-                <a:solidFill>
-                  <a:schemeClr val="tx1"/>
-                </a:solidFill>
-                <a:latin typeface="+mn-lt"/>
-                <a:ea typeface="+mn-ea"/>
-                <a:cs typeface="+mn-cs"/>
-              </a:defRPr>
-            </a:lvl3pPr>
-            <a:lvl4pPr marL="1371600" algn="l" defTabSz="914400" rtl="0" eaLnBrk="1" latinLnBrk="0" hangingPunct="1">
-              <a:defRPr sz="1800" kern="1200">
-                <a:solidFill>
-                  <a:schemeClr val="tx1"/>
-                </a:solidFill>
-                <a:latin typeface="+mn-lt"/>
-                <a:ea typeface="+mn-ea"/>
-                <a:cs typeface="+mn-cs"/>
-              </a:defRPr>
-            </a:lvl4pPr>
-            <a:lvl5pPr marL="1828800" algn="l" defTabSz="914400" rtl="0" eaLnBrk="1" latinLnBrk="0" hangingPunct="1">
-              <a:defRPr sz="1800" kern="1200">
-                <a:solidFill>
-                  <a:schemeClr val="tx1"/>
-                </a:solidFill>
-                <a:latin typeface="+mn-lt"/>
-                <a:ea typeface="+mn-ea"/>
-                <a:cs typeface="+mn-cs"/>
-              </a:defRPr>
-            </a:lvl5pPr>
-            <a:lvl6pPr marL="2286000" algn="l" defTabSz="914400" rtl="0" eaLnBrk="1" latinLnBrk="0" hangingPunct="1">
-              <a:defRPr sz="1800" kern="1200">
-                <a:solidFill>
-                  <a:schemeClr val="tx1"/>
-                </a:solidFill>
-                <a:latin typeface="+mn-lt"/>
-                <a:ea typeface="+mn-ea"/>
-                <a:cs typeface="+mn-cs"/>
-              </a:defRPr>
-            </a:lvl6pPr>
-            <a:lvl7pPr marL="2743200" algn="l" defTabSz="914400" rtl="0" eaLnBrk="1" latinLnBrk="0" hangingPunct="1">
-              <a:defRPr sz="1800" kern="1200">
-                <a:solidFill>
-                  <a:schemeClr val="tx1"/>
-                </a:solidFill>
-                <a:latin typeface="+mn-lt"/>
-                <a:ea typeface="+mn-ea"/>
-                <a:cs typeface="+mn-cs"/>
-              </a:defRPr>
-            </a:lvl7pPr>
-            <a:lvl8pPr marL="3200400" algn="l" defTabSz="914400" rtl="0" eaLnBrk="1" latinLnBrk="0" hangingPunct="1">
-              <a:defRPr sz="1800" kern="1200">
-                <a:solidFill>
-                  <a:schemeClr val="tx1"/>
-                </a:solidFill>
-                <a:latin typeface="+mn-lt"/>
-                <a:ea typeface="+mn-ea"/>
-                <a:cs typeface="+mn-cs"/>
-              </a:defRPr>
-            </a:lvl8pPr>
-            <a:lvl9pPr marL="3657600" algn="l" defTabSz="914400" rtl="0" eaLnBrk="1" latinLnBrk="0" hangingPunct="1">
-              <a:defRPr sz="1800" kern="1200">
-                <a:solidFill>
-                  <a:schemeClr val="tx1"/>
-                </a:solidFill>
-                <a:latin typeface="+mn-lt"/>
-                <a:ea typeface="+mn-ea"/>
-                <a:cs typeface="+mn-cs"/>
-              </a:defRPr>
-            </a:lvl9pPr>
-          </a:lstStyle>
-          <a:p>
-            <a:r>
-              <a:rPr lang="en-US" altLang="zh-CN" sz="4800" dirty="0">
-                <a:solidFill>
-                  <a:schemeClr val="accent1"/>
-                </a:solidFill>
-                <a:latin typeface="Arial" panose="020B0604020202020204" pitchFamily="34" charset="0"/>
-                <a:ea typeface="微软雅黑" panose="020B0503020204020204" charset="-122"/>
-                <a:cs typeface="Arial" panose="020B0604020202020204" pitchFamily="34" charset="0"/>
-                <a:sym typeface="+mn-lt"/>
-              </a:rPr>
-              <a:t>3</a:t>
-            </a:r>
-            <a:endParaRPr lang="en-US" altLang="zh-CN" sz="4800" dirty="0">
-              <a:solidFill>
-                <a:schemeClr val="accent1"/>
-              </a:solidFill>
-              <a:latin typeface="Arial" panose="020B0604020202020204" pitchFamily="34" charset="0"/>
-              <a:ea typeface="微软雅黑" panose="020B0503020204020204" charset="-122"/>
-              <a:cs typeface="Arial" panose="020B0604020202020204" pitchFamily="34" charset="0"/>
-              <a:sym typeface="+mn-lt"/>
-            </a:endParaRPr>
-          </a:p>
-        </p:txBody>
-      </p:sp>
-      <p:sp>
-        <p:nvSpPr>
-          <p:cNvPr id="18" name="TextBox 2"/>
-          <p:cNvSpPr txBox="1"/>
-          <p:nvPr>
-            <p:custDataLst>
-              <p:tags r:id="rId8"/>
-            </p:custDataLst>
-          </p:nvPr>
-        </p:nvSpPr>
-        <p:spPr>
-          <a:xfrm>
-            <a:off x="7639457" y="4233915"/>
-            <a:ext cx="3768686" cy="374919"/>
-          </a:xfrm>
-          <a:prstGeom prst="rect">
-            <a:avLst/>
-          </a:prstGeom>
-          <a:noFill/>
-        </p:spPr>
-        <p:txBody>
-          <a:bodyPr wrap="square" rtlCol="0">
-            <a:normAutofit fontScale="97500"/>
-          </a:bodyPr>
-          <a:lstStyle/>
-          <a:p>
-            <a:r>
-              <a:rPr lang="zh-CN" altLang="en-US" spc="150">
-                <a:solidFill>
-                  <a:schemeClr val="tx1">
-                    <a:lumMod val="65000"/>
-                    <a:lumOff val="35000"/>
-                  </a:schemeClr>
-                </a:solidFill>
-                <a:latin typeface="Arial" panose="020B0604020202020204" pitchFamily="34" charset="0"/>
-                <a:ea typeface="微软雅黑" panose="020B0503020204020204" charset="-122"/>
-                <a:cs typeface="微软雅黑" panose="020B0503020204020204" charset="-122"/>
-                <a:sym typeface="+mn-lt"/>
-              </a:rPr>
-              <a:t>单击此处添加文本具体内容</a:t>
-            </a:r>
-            <a:endParaRPr lang="zh-CN" altLang="en-US" spc="150">
-              <a:solidFill>
-                <a:schemeClr val="tx1">
-                  <a:lumMod val="65000"/>
-                  <a:lumOff val="35000"/>
-                </a:schemeClr>
-              </a:solidFill>
-              <a:latin typeface="Arial" panose="020B0604020202020204" pitchFamily="34" charset="0"/>
-              <a:ea typeface="微软雅黑" panose="020B0503020204020204" charset="-122"/>
-              <a:cs typeface="微软雅黑" panose="020B0503020204020204" charset="-122"/>
-              <a:sym typeface="+mn-lt"/>
-            </a:endParaRPr>
-          </a:p>
-        </p:txBody>
-      </p:sp>
-      <p:sp>
-        <p:nvSpPr>
-          <p:cNvPr id="19" name="椭圆 18"/>
-          <p:cNvSpPr/>
-          <p:nvPr>
-            <p:custDataLst>
-              <p:tags r:id="rId9"/>
-            </p:custDataLst>
-          </p:nvPr>
-        </p:nvSpPr>
-        <p:spPr>
-          <a:xfrm flipH="1">
-            <a:off x="7264367" y="4421375"/>
-            <a:ext cx="162220" cy="162220"/>
-          </a:xfrm>
-          <a:prstGeom prst="ellipse">
-            <a:avLst/>
-          </a:prstGeom>
-          <a:solidFill>
-            <a:schemeClr val="accent2"/>
-          </a:solidFill>
-          <a:ln>
-            <a:noFill/>
-          </a:ln>
-        </p:spPr>
-        <p:style>
-          <a:lnRef idx="2">
-            <a:schemeClr val="accent1">
-              <a:shade val="50000"/>
-            </a:schemeClr>
-          </a:lnRef>
-          <a:fillRef idx="1">
-            <a:schemeClr val="accent1"/>
-          </a:fillRef>
-          <a:effectRef idx="0">
-            <a:schemeClr val="accent1"/>
-          </a:effectRef>
-          <a:fontRef idx="minor">
-            <a:schemeClr val="lt1"/>
-          </a:fontRef>
-        </p:style>
-        <p:txBody>
-          <a:bodyPr wrap="square" rtlCol="0" anchor="ctr">
-            <a:normAutofit fontScale="25000" lnSpcReduction="20000"/>
-          </a:bodyPr>
-          <a:lstStyle/>
-          <a:p>
-            <a:pPr algn="ctr"/>
-            <a:endParaRPr kumimoji="1" lang="zh-CN" altLang="en-US">
-              <a:solidFill>
-                <a:schemeClr val="accent1"/>
-              </a:solidFill>
-              <a:latin typeface="Arial" panose="020B0604020202020204" pitchFamily="34" charset="0"/>
-              <a:ea typeface="微软雅黑" panose="020B0503020204020204" charset="-122"/>
-            </a:endParaRPr>
-          </a:p>
-        </p:txBody>
-      </p:sp>
-      <p:sp>
-        <p:nvSpPr>
-          <p:cNvPr id="20" name="文本框 12"/>
-          <p:cNvSpPr txBox="1"/>
-          <p:nvPr>
-            <p:custDataLst>
-              <p:tags r:id="rId10"/>
-            </p:custDataLst>
-          </p:nvPr>
-        </p:nvSpPr>
-        <p:spPr>
-          <a:xfrm>
-            <a:off x="6616298" y="5115131"/>
-            <a:ext cx="527709" cy="830997"/>
-          </a:xfrm>
-          <a:prstGeom prst="rect">
-            <a:avLst/>
-          </a:prstGeom>
-          <a:noFill/>
-        </p:spPr>
-        <p:txBody>
-          <a:bodyPr wrap="square" rtlCol="0">
-            <a:normAutofit/>
-          </a:bodyPr>
-          <a:lstStyle>
-            <a:defPPr>
-              <a:defRPr lang="id-ID"/>
-            </a:defPPr>
-            <a:lvl1pPr marL="0" algn="l" defTabSz="914400" rtl="0" eaLnBrk="1" latinLnBrk="0" hangingPunct="1">
-              <a:defRPr sz="1800" kern="1200">
-                <a:solidFill>
-                  <a:schemeClr val="tx1"/>
-                </a:solidFill>
-                <a:latin typeface="+mn-lt"/>
-                <a:ea typeface="+mn-ea"/>
-                <a:cs typeface="+mn-cs"/>
-              </a:defRPr>
-            </a:lvl1pPr>
-            <a:lvl2pPr marL="457200" algn="l" defTabSz="914400" rtl="0" eaLnBrk="1" latinLnBrk="0" hangingPunct="1">
-              <a:defRPr sz="1800" kern="1200">
-                <a:solidFill>
-                  <a:schemeClr val="tx1"/>
-                </a:solidFill>
-                <a:latin typeface="+mn-lt"/>
-                <a:ea typeface="+mn-ea"/>
-                <a:cs typeface="+mn-cs"/>
-              </a:defRPr>
-            </a:lvl2pPr>
-            <a:lvl3pPr marL="914400" algn="l" defTabSz="914400" rtl="0" eaLnBrk="1" latinLnBrk="0" hangingPunct="1">
-              <a:defRPr sz="1800" kern="1200">
-                <a:solidFill>
-                  <a:schemeClr val="tx1"/>
-                </a:solidFill>
-                <a:latin typeface="+mn-lt"/>
-                <a:ea typeface="+mn-ea"/>
-                <a:cs typeface="+mn-cs"/>
-              </a:defRPr>
-            </a:lvl3pPr>
-            <a:lvl4pPr marL="1371600" algn="l" defTabSz="914400" rtl="0" eaLnBrk="1" latinLnBrk="0" hangingPunct="1">
-              <a:defRPr sz="1800" kern="1200">
-                <a:solidFill>
-                  <a:schemeClr val="tx1"/>
-                </a:solidFill>
-                <a:latin typeface="+mn-lt"/>
-                <a:ea typeface="+mn-ea"/>
-                <a:cs typeface="+mn-cs"/>
-              </a:defRPr>
-            </a:lvl4pPr>
-            <a:lvl5pPr marL="1828800" algn="l" defTabSz="914400" rtl="0" eaLnBrk="1" latinLnBrk="0" hangingPunct="1">
-              <a:defRPr sz="1800" kern="1200">
-                <a:solidFill>
-                  <a:schemeClr val="tx1"/>
-                </a:solidFill>
-                <a:latin typeface="+mn-lt"/>
-                <a:ea typeface="+mn-ea"/>
-                <a:cs typeface="+mn-cs"/>
-              </a:defRPr>
-            </a:lvl5pPr>
-            <a:lvl6pPr marL="2286000" algn="l" defTabSz="914400" rtl="0" eaLnBrk="1" latinLnBrk="0" hangingPunct="1">
-              <a:defRPr sz="1800" kern="1200">
-                <a:solidFill>
-                  <a:schemeClr val="tx1"/>
-                </a:solidFill>
-                <a:latin typeface="+mn-lt"/>
-                <a:ea typeface="+mn-ea"/>
-                <a:cs typeface="+mn-cs"/>
-              </a:defRPr>
-            </a:lvl6pPr>
-            <a:lvl7pPr marL="2743200" algn="l" defTabSz="914400" rtl="0" eaLnBrk="1" latinLnBrk="0" hangingPunct="1">
-              <a:defRPr sz="1800" kern="1200">
-                <a:solidFill>
-                  <a:schemeClr val="tx1"/>
-                </a:solidFill>
-                <a:latin typeface="+mn-lt"/>
-                <a:ea typeface="+mn-ea"/>
-                <a:cs typeface="+mn-cs"/>
-              </a:defRPr>
-            </a:lvl7pPr>
-            <a:lvl8pPr marL="3200400" algn="l" defTabSz="914400" rtl="0" eaLnBrk="1" latinLnBrk="0" hangingPunct="1">
-              <a:defRPr sz="1800" kern="1200">
-                <a:solidFill>
-                  <a:schemeClr val="tx1"/>
-                </a:solidFill>
-                <a:latin typeface="+mn-lt"/>
-                <a:ea typeface="+mn-ea"/>
-                <a:cs typeface="+mn-cs"/>
-              </a:defRPr>
-            </a:lvl8pPr>
-            <a:lvl9pPr marL="3657600" algn="l" defTabSz="914400" rtl="0" eaLnBrk="1" latinLnBrk="0" hangingPunct="1">
-              <a:defRPr sz="1800" kern="1200">
-                <a:solidFill>
-                  <a:schemeClr val="tx1"/>
-                </a:solidFill>
-                <a:latin typeface="+mn-lt"/>
-                <a:ea typeface="+mn-ea"/>
-                <a:cs typeface="+mn-cs"/>
-              </a:defRPr>
-            </a:lvl9pPr>
-          </a:lstStyle>
-          <a:p>
-            <a:r>
-              <a:rPr lang="en-US" altLang="zh-CN" sz="4800" dirty="0">
-                <a:solidFill>
-                  <a:schemeClr val="accent1"/>
-                </a:solidFill>
-                <a:latin typeface="Arial" panose="020B0604020202020204" pitchFamily="34" charset="0"/>
-                <a:ea typeface="微软雅黑" panose="020B0503020204020204" charset="-122"/>
-                <a:cs typeface="Arial" panose="020B0604020202020204" pitchFamily="34" charset="0"/>
-                <a:sym typeface="+mn-lt"/>
-              </a:rPr>
-              <a:t>4</a:t>
-            </a:r>
-            <a:endParaRPr lang="en-US" altLang="zh-CN" sz="4800" dirty="0">
-              <a:solidFill>
-                <a:schemeClr val="accent1"/>
-              </a:solidFill>
-              <a:latin typeface="Arial" panose="020B0604020202020204" pitchFamily="34" charset="0"/>
-              <a:ea typeface="微软雅黑" panose="020B0503020204020204" charset="-122"/>
-              <a:cs typeface="Arial" panose="020B0604020202020204" pitchFamily="34" charset="0"/>
-              <a:sym typeface="+mn-lt"/>
-            </a:endParaRPr>
-          </a:p>
-        </p:txBody>
-      </p:sp>
-      <p:sp>
-        <p:nvSpPr>
-          <p:cNvPr id="22" name="TextBox 2"/>
-          <p:cNvSpPr txBox="1"/>
-          <p:nvPr>
-            <p:custDataLst>
-              <p:tags r:id="rId11"/>
-            </p:custDataLst>
-          </p:nvPr>
-        </p:nvSpPr>
-        <p:spPr>
-          <a:xfrm>
-            <a:off x="7639457" y="5415948"/>
-            <a:ext cx="3768686" cy="374919"/>
-          </a:xfrm>
-          <a:prstGeom prst="rect">
-            <a:avLst/>
-          </a:prstGeom>
-          <a:noFill/>
-        </p:spPr>
-        <p:txBody>
-          <a:bodyPr wrap="square" rtlCol="0">
-            <a:normAutofit fontScale="97500"/>
-          </a:bodyPr>
-          <a:lstStyle/>
-          <a:p>
-            <a:r>
-              <a:rPr lang="zh-CN" altLang="en-US" spc="150">
-                <a:solidFill>
-                  <a:schemeClr val="tx1">
-                    <a:lumMod val="65000"/>
-                    <a:lumOff val="35000"/>
-                  </a:schemeClr>
-                </a:solidFill>
-                <a:latin typeface="Arial" panose="020B0604020202020204" pitchFamily="34" charset="0"/>
-                <a:ea typeface="微软雅黑" panose="020B0503020204020204" charset="-122"/>
-                <a:cs typeface="微软雅黑" panose="020B0503020204020204" charset="-122"/>
-                <a:sym typeface="+mn-lt"/>
-              </a:rPr>
-              <a:t>单击此处添加文本具体内容</a:t>
-            </a:r>
-            <a:endParaRPr lang="zh-CN" altLang="en-US" spc="150">
-              <a:solidFill>
-                <a:schemeClr val="tx1">
-                  <a:lumMod val="65000"/>
-                  <a:lumOff val="35000"/>
-                </a:schemeClr>
-              </a:solidFill>
-              <a:latin typeface="Arial" panose="020B0604020202020204" pitchFamily="34" charset="0"/>
-              <a:ea typeface="微软雅黑" panose="020B0503020204020204" charset="-122"/>
-              <a:cs typeface="微软雅黑" panose="020B0503020204020204" charset="-122"/>
-              <a:sym typeface="+mn-lt"/>
-            </a:endParaRPr>
-          </a:p>
-        </p:txBody>
-      </p:sp>
-      <p:sp>
-        <p:nvSpPr>
-          <p:cNvPr id="23" name="椭圆 22"/>
-          <p:cNvSpPr/>
-          <p:nvPr>
-            <p:custDataLst>
-              <p:tags r:id="rId12"/>
-            </p:custDataLst>
-          </p:nvPr>
-        </p:nvSpPr>
-        <p:spPr>
-          <a:xfrm flipH="1">
-            <a:off x="7264367" y="5603408"/>
-            <a:ext cx="162220" cy="162220"/>
-          </a:xfrm>
-          <a:prstGeom prst="ellipse">
-            <a:avLst/>
-          </a:prstGeom>
-          <a:solidFill>
-            <a:schemeClr val="accent2"/>
-          </a:solidFill>
-          <a:ln>
-            <a:noFill/>
-          </a:ln>
-        </p:spPr>
-        <p:style>
-          <a:lnRef idx="2">
-            <a:schemeClr val="accent1">
-              <a:shade val="50000"/>
-            </a:schemeClr>
-          </a:lnRef>
-          <a:fillRef idx="1">
-            <a:schemeClr val="accent1"/>
-          </a:fillRef>
-          <a:effectRef idx="0">
-            <a:schemeClr val="accent1"/>
-          </a:effectRef>
-          <a:fontRef idx="minor">
-            <a:schemeClr val="lt1"/>
-          </a:fontRef>
-        </p:style>
-        <p:txBody>
-          <a:bodyPr wrap="square" rtlCol="0" anchor="ctr">
-            <a:normAutofit fontScale="25000" lnSpcReduction="20000"/>
-          </a:bodyPr>
-          <a:lstStyle/>
-          <a:p>
-            <a:pPr algn="ctr"/>
-            <a:endParaRPr kumimoji="1" lang="zh-CN" altLang="en-US">
-              <a:solidFill>
-                <a:schemeClr val="accent1"/>
-              </a:solidFill>
-              <a:latin typeface="Arial" panose="020B0604020202020204" pitchFamily="34" charset="0"/>
-              <a:ea typeface="微软雅黑" panose="020B0503020204020204" charset="-122"/>
-            </a:endParaRPr>
-          </a:p>
-        </p:txBody>
-      </p:sp>
-      <p:sp>
-        <p:nvSpPr>
-          <p:cNvPr id="17" name="TextBox 2"/>
-          <p:cNvSpPr txBox="1"/>
-          <p:nvPr>
-            <p:custDataLst>
-              <p:tags r:id="rId13"/>
-            </p:custDataLst>
-          </p:nvPr>
-        </p:nvSpPr>
-        <p:spPr>
-          <a:xfrm>
-            <a:off x="3270545" y="2150347"/>
-            <a:ext cx="1910997" cy="400110"/>
-          </a:xfrm>
-          <a:prstGeom prst="rect">
-            <a:avLst/>
-          </a:prstGeom>
-          <a:noFill/>
-        </p:spPr>
-        <p:txBody>
-          <a:bodyPr wrap="square" rtlCol="0">
-            <a:normAutofit/>
-          </a:bodyPr>
-          <a:lstStyle/>
-          <a:p>
-            <a:pPr marR="0" algn="ctr" defTabSz="914400" fontAlgn="auto">
-              <a:spcBef>
-                <a:spcPts val="0"/>
-              </a:spcBef>
-              <a:spcAft>
-                <a:spcPts val="0"/>
-              </a:spcAft>
-              <a:buClrTx/>
-              <a:buSzTx/>
-              <a:buFontTx/>
-            </a:pPr>
-            <a:r>
-              <a:rPr lang="en-US" altLang="zh-CN" sz="2000" spc="150">
-                <a:solidFill>
-                  <a:schemeClr val="tx1">
-                    <a:lumMod val="85000"/>
-                    <a:lumOff val="15000"/>
-                  </a:schemeClr>
-                </a:solidFill>
-                <a:latin typeface="Arial" panose="020B0604020202020204" pitchFamily="34" charset="0"/>
-                <a:ea typeface="微软雅黑" panose="020B0503020204020204" charset="-122"/>
-                <a:cs typeface="Arial" panose="020B0604020202020204" pitchFamily="34" charset="0"/>
-                <a:sym typeface="+mn-lt"/>
-              </a:rPr>
-              <a:t>CONTENTS</a:t>
-            </a:r>
-            <a:endParaRPr lang="en-US" altLang="zh-CN" sz="2000" spc="150">
-              <a:solidFill>
-                <a:schemeClr val="tx1">
-                  <a:lumMod val="85000"/>
-                  <a:lumOff val="15000"/>
-                </a:schemeClr>
-              </a:solidFill>
-              <a:latin typeface="Arial" panose="020B0604020202020204" pitchFamily="34" charset="0"/>
-              <a:ea typeface="微软雅黑" panose="020B0503020204020204" charset="-122"/>
-              <a:cs typeface="Arial" panose="020B0604020202020204" pitchFamily="34" charset="0"/>
-              <a:sym typeface="+mn-lt"/>
-            </a:endParaRPr>
-          </a:p>
-        </p:txBody>
-      </p:sp>
-      <p:sp>
-        <p:nvSpPr>
-          <p:cNvPr id="21" name="TextBox 2"/>
-          <p:cNvSpPr txBox="1"/>
-          <p:nvPr>
-            <p:custDataLst>
-              <p:tags r:id="rId14"/>
-            </p:custDataLst>
-          </p:nvPr>
-        </p:nvSpPr>
-        <p:spPr>
-          <a:xfrm>
-            <a:off x="3270546" y="958477"/>
-            <a:ext cx="1910997" cy="1107996"/>
-          </a:xfrm>
-          <a:prstGeom prst="rect">
-            <a:avLst/>
-          </a:prstGeom>
-          <a:noFill/>
-        </p:spPr>
-        <p:txBody>
-          <a:bodyPr wrap="square" rtlCol="0" anchor="b" anchorCtr="0">
-            <a:normAutofit/>
-          </a:bodyPr>
-          <a:lstStyle/>
-          <a:p>
-            <a:pPr marR="0" algn="ctr" defTabSz="914400" fontAlgn="auto">
-              <a:spcBef>
-                <a:spcPts val="0"/>
-              </a:spcBef>
-              <a:spcAft>
-                <a:spcPts val="0"/>
-              </a:spcAft>
-              <a:buClrTx/>
-              <a:buSzTx/>
-              <a:buFontTx/>
-            </a:pPr>
-            <a:r>
-              <a:rPr lang="zh-CN" altLang="en-US" sz="6600" spc="150" dirty="0">
-                <a:solidFill>
-                  <a:schemeClr val="tx1">
-                    <a:lumMod val="85000"/>
-                    <a:lumOff val="15000"/>
-                  </a:schemeClr>
-                </a:solidFill>
-                <a:latin typeface="Arial" panose="020B0604020202020204" pitchFamily="34" charset="0"/>
-                <a:ea typeface="汉仪旗黑-85S" panose="00020600040101010101" pitchFamily="18" charset="-122"/>
-                <a:cs typeface="微软雅黑" panose="020B0503020204020204" charset="-122"/>
-                <a:sym typeface="+mn-lt"/>
-              </a:rPr>
-              <a:t>目录</a:t>
-            </a:r>
-            <a:endParaRPr lang="zh-CN" altLang="en-US" sz="6600" spc="150" dirty="0">
-              <a:solidFill>
-                <a:schemeClr val="tx1">
-                  <a:lumMod val="85000"/>
-                  <a:lumOff val="15000"/>
-                </a:schemeClr>
-              </a:solidFill>
-              <a:latin typeface="Arial" panose="020B0604020202020204" pitchFamily="34" charset="0"/>
-              <a:ea typeface="汉仪旗黑-85S" panose="00020600040101010101" pitchFamily="18" charset="-122"/>
-              <a:cs typeface="微软雅黑" panose="020B0503020204020204" charset="-122"/>
-              <a:sym typeface="+mn-lt"/>
-            </a:endParaRPr>
-          </a:p>
-        </p:txBody>
-      </p:sp>
-    </p:spTree>
-    <p:custDataLst>
-      <p:tags r:id="rId15"/>
-    </p:custDataLst>
-  </p:cSld>
-  <p:clrMapOvr>
-    <a:masterClrMapping/>
-  </p:clrMapOvr>
-</p:sld>
-</file>
-
-<file path=ppt/slides/slide3.xml><?xml version="1.0" encoding="utf-8"?>
-<p:sld xmlns:a="http://schemas.openxmlformats.org/drawingml/2006/main" xmlns:r="http://schemas.openxmlformats.org/officeDocument/2006/relationships" xmlns:p="http://schemas.openxmlformats.org/presentationml/2006/main">
-  <p:cSld>
-    <p:spTree>
-      <p:nvGrpSpPr>
-        <p:cNvPr id="1" name=""/>
-        <p:cNvGrpSpPr/>
-        <p:nvPr/>
-      </p:nvGrpSpPr>
       <p:grpSpPr/>
       <p:sp>
         <p:nvSpPr>
@@ -16924,7 +15399,7 @@
 </p:sld>
 </file>
 
-<file path=ppt/slides/slide4.xml><?xml version="1.0" encoding="utf-8"?>
+<file path=ppt/slides/slide3.xml><?xml version="1.0" encoding="utf-8"?>
 <p:sld xmlns:a="http://schemas.openxmlformats.org/drawingml/2006/main" xmlns:r="http://schemas.openxmlformats.org/officeDocument/2006/relationships" xmlns:p="http://schemas.openxmlformats.org/presentationml/2006/main">
   <p:cSld>
     <p:bg>
@@ -17287,7 +15762,7 @@
 </p:sld>
 </file>
 
-<file path=ppt/slides/slide5.xml><?xml version="1.0" encoding="utf-8"?>
+<file path=ppt/slides/slide4.xml><?xml version="1.0" encoding="utf-8"?>
 <p:sld xmlns:a="http://schemas.openxmlformats.org/drawingml/2006/main" xmlns:r="http://schemas.openxmlformats.org/officeDocument/2006/relationships" xmlns:p="http://schemas.openxmlformats.org/presentationml/2006/main">
   <p:cSld>
     <p:bg>
@@ -17510,7 +15985,7 @@
 </p:sld>
 </file>
 
-<file path=ppt/slides/slide6.xml><?xml version="1.0" encoding="utf-8"?>
+<file path=ppt/slides/slide5.xml><?xml version="1.0" encoding="utf-8"?>
 <p:sld xmlns:a="http://schemas.openxmlformats.org/drawingml/2006/main" xmlns:r="http://schemas.openxmlformats.org/officeDocument/2006/relationships" xmlns:p="http://schemas.openxmlformats.org/presentationml/2006/main">
   <p:cSld>
     <p:bg>
@@ -18133,7 +16608,7 @@
 </p:sld>
 </file>
 
-<file path=ppt/slides/slide7.xml><?xml version="1.0" encoding="utf-8"?>
+<file path=ppt/slides/slide6.xml><?xml version="1.0" encoding="utf-8"?>
 <p:sld xmlns:a="http://schemas.openxmlformats.org/drawingml/2006/main" xmlns:r="http://schemas.openxmlformats.org/officeDocument/2006/relationships" xmlns:p="http://schemas.openxmlformats.org/presentationml/2006/main">
   <p:cSld>
     <p:bg>
@@ -18923,7 +17398,7 @@
 </p:sld>
 </file>
 
-<file path=ppt/slides/slide8.xml><?xml version="1.0" encoding="utf-8"?>
+<file path=ppt/slides/slide7.xml><?xml version="1.0" encoding="utf-8"?>
 <p:sld xmlns:a="http://schemas.openxmlformats.org/drawingml/2006/main" xmlns:r="http://schemas.openxmlformats.org/officeDocument/2006/relationships" xmlns:p="http://schemas.openxmlformats.org/presentationml/2006/main">
   <p:cSld>
     <p:bg>
@@ -19662,7 +18137,7 @@
 </p:sld>
 </file>
 
-<file path=ppt/slides/slide9.xml><?xml version="1.0" encoding="utf-8"?>
+<file path=ppt/slides/slide8.xml><?xml version="1.0" encoding="utf-8"?>
 <p:sld xmlns:a="http://schemas.openxmlformats.org/drawingml/2006/main" xmlns:r="http://schemas.openxmlformats.org/officeDocument/2006/relationships" xmlns:p="http://schemas.openxmlformats.org/presentationml/2006/main">
   <p:cSld>
     <p:bg>
@@ -20365,6 +18840,654 @@
 </p:sld>
 </file>
 
+<file path=ppt/slides/slide9.xml><?xml version="1.0" encoding="utf-8"?>
+<p:sld xmlns:a="http://schemas.openxmlformats.org/drawingml/2006/main" xmlns:r="http://schemas.openxmlformats.org/officeDocument/2006/relationships" xmlns:p="http://schemas.openxmlformats.org/presentationml/2006/main">
+  <p:cSld>
+    <p:bg>
+      <p:bgPr>
+        <a:noFill/>
+        <a:effectLst/>
+      </p:bgPr>
+    </p:bg>
+    <p:spTree>
+      <p:nvGrpSpPr>
+        <p:cNvPr id="1" name=""/>
+        <p:cNvGrpSpPr/>
+        <p:nvPr/>
+      </p:nvGrpSpPr>
+      <p:grpSpPr/>
+      <p:sp>
+        <p:nvSpPr>
+          <p:cNvPr id="2" name="标题 1"/>
+          <p:cNvSpPr>
+            <a:spLocks noGrp="1"/>
+          </p:cNvSpPr>
+          <p:nvPr>
+            <p:ph type="title"/>
+          </p:nvPr>
+        </p:nvSpPr>
+        <p:spPr/>
+        <p:txBody>
+          <a:bodyPr/>
+          <a:p>
+            <a:r>
+              <a:rPr b="0">
+                <a:sym typeface="+mn-ea"/>
+              </a:rPr>
+              <a:t>准备工作</a:t>
+            </a:r>
+            <a:endParaRPr b="0">
+              <a:solidFill>
+                <a:srgbClr val="000000"/>
+              </a:solidFill>
+              <a:sym typeface="+mn-ea"/>
+            </a:endParaRPr>
+          </a:p>
+        </p:txBody>
+      </p:sp>
+      <p:sp>
+        <p:nvSpPr>
+          <p:cNvPr id="13" name="object 11"/>
+          <p:cNvSpPr txBox="1"/>
+          <p:nvPr/>
+        </p:nvSpPr>
+        <p:spPr>
+          <a:xfrm>
+            <a:off x="1002030" y="1110615"/>
+            <a:ext cx="11114405" cy="1699895"/>
+          </a:xfrm>
+          <a:prstGeom prst="rect">
+            <a:avLst/>
+          </a:prstGeom>
+        </p:spPr>
+        <p:txBody>
+          <a:bodyPr vert="horz" wrap="square" lIns="0" tIns="12700" rIns="0" bIns="0" rtlCol="0">
+            <a:spAutoFit/>
+          </a:bodyPr>
+          <a:lstStyle/>
+          <a:p>
+            <a:pPr marL="12065" marR="168910" indent="0">
+              <a:lnSpc>
+                <a:spcPct val="150000"/>
+              </a:lnSpc>
+              <a:spcBef>
+                <a:spcPts val="100"/>
+              </a:spcBef>
+              <a:buFont typeface="Arial" panose="020B0604020202020204"/>
+              <a:buNone/>
+              <a:tabLst>
+                <a:tab pos="299085" algn="l"/>
+                <a:tab pos="299720" algn="l"/>
+              </a:tabLst>
+            </a:pPr>
+            <a:r>
+              <a:rPr sz="2400" dirty="0">
+                <a:sym typeface="+mn-ea"/>
+              </a:rPr>
+              <a:t>2[1[a]3[b]2[3[c]4[d]]]</a:t>
+            </a:r>
+            <a:endParaRPr sz="2400" dirty="0">
+              <a:sym typeface="+mn-ea"/>
+            </a:endParaRPr>
+          </a:p>
+          <a:p>
+            <a:pPr marL="12065" marR="168910" indent="0">
+              <a:lnSpc>
+                <a:spcPct val="150000"/>
+              </a:lnSpc>
+              <a:spcBef>
+                <a:spcPts val="100"/>
+              </a:spcBef>
+              <a:buFont typeface="Arial" panose="020B0604020202020204"/>
+              <a:buNone/>
+              <a:tabLst>
+                <a:tab pos="299085" algn="l"/>
+                <a:tab pos="299720" algn="l"/>
+              </a:tabLst>
+            </a:pPr>
+            <a:r>
+              <a:rPr lang="zh-CN" altLang="en-US" sz="2400" dirty="0">
+                <a:sym typeface="+mn-ea"/>
+              </a:rPr>
+              <a:t>遇到</a:t>
+            </a:r>
+            <a:r>
+              <a:rPr lang="en-US" altLang="zh-CN" sz="2400" dirty="0">
+                <a:sym typeface="+mn-ea"/>
+              </a:rPr>
+              <a:t>c</a:t>
+            </a:r>
+            <a:r>
+              <a:rPr lang="zh-CN" altLang="en-US" sz="2400" dirty="0">
+                <a:sym typeface="+mn-ea"/>
+              </a:rPr>
+              <a:t>替换顶栈空字符为</a:t>
+            </a:r>
+            <a:r>
+              <a:rPr lang="en-US" altLang="zh-CN" sz="2400" dirty="0">
+                <a:sym typeface="+mn-ea"/>
+              </a:rPr>
+              <a:t>c</a:t>
+            </a:r>
+            <a:r>
+              <a:rPr lang="zh-CN" altLang="en-US" sz="2400" dirty="0">
+                <a:sym typeface="+mn-ea"/>
+              </a:rPr>
+              <a:t>，</a:t>
+            </a:r>
+            <a:endParaRPr lang="zh-CN" altLang="en-US" sz="2400" dirty="0">
+              <a:sym typeface="+mn-ea"/>
+            </a:endParaRPr>
+          </a:p>
+          <a:p>
+            <a:pPr marL="12065" marR="168910" indent="0">
+              <a:lnSpc>
+                <a:spcPct val="150000"/>
+              </a:lnSpc>
+              <a:spcBef>
+                <a:spcPts val="100"/>
+              </a:spcBef>
+              <a:buFont typeface="Arial" panose="020B0604020202020204"/>
+              <a:buNone/>
+              <a:tabLst>
+                <a:tab pos="299085" algn="l"/>
+                <a:tab pos="299720" algn="l"/>
+              </a:tabLst>
+            </a:pPr>
+            <a:endParaRPr lang="zh-CN" altLang="en-US" sz="2400" dirty="0">
+              <a:sym typeface="+mn-ea"/>
+            </a:endParaRPr>
+          </a:p>
+        </p:txBody>
+      </p:sp>
+      <p:sp>
+        <p:nvSpPr>
+          <p:cNvPr id="3" name="矩形 2"/>
+          <p:cNvSpPr/>
+          <p:nvPr/>
+        </p:nvSpPr>
+        <p:spPr>
+          <a:xfrm>
+            <a:off x="537210" y="3858895"/>
+            <a:ext cx="5184775" cy="1186180"/>
+          </a:xfrm>
+          <a:prstGeom prst="rect">
+            <a:avLst/>
+          </a:prstGeom>
+          <a:ln w="57150">
+            <a:solidFill>
+              <a:srgbClr val="00B0F0"/>
+            </a:solidFill>
+          </a:ln>
+        </p:spPr>
+        <p:style>
+          <a:lnRef idx="2">
+            <a:schemeClr val="accent6"/>
+          </a:lnRef>
+          <a:fillRef idx="1">
+            <a:schemeClr val="lt1"/>
+          </a:fillRef>
+          <a:effectRef idx="0">
+            <a:schemeClr val="accent6"/>
+          </a:effectRef>
+          <a:fontRef idx="minor">
+            <a:schemeClr val="dk1"/>
+          </a:fontRef>
+        </p:style>
+        <p:txBody>
+          <a:bodyPr rtlCol="0" anchor="ctr"/>
+          <a:p>
+            <a:pPr algn="ctr"/>
+            <a:endParaRPr lang="zh-CN" altLang="en-US"/>
+          </a:p>
+        </p:txBody>
+      </p:sp>
+      <p:sp>
+        <p:nvSpPr>
+          <p:cNvPr id="4" name="矩形 3"/>
+          <p:cNvSpPr/>
+          <p:nvPr/>
+        </p:nvSpPr>
+        <p:spPr>
+          <a:xfrm>
+            <a:off x="6680200" y="3858895"/>
+            <a:ext cx="5184775" cy="1186180"/>
+          </a:xfrm>
+          <a:prstGeom prst="rect">
+            <a:avLst/>
+          </a:prstGeom>
+          <a:ln w="57150">
+            <a:solidFill>
+              <a:srgbClr val="00B0F0"/>
+            </a:solidFill>
+          </a:ln>
+        </p:spPr>
+        <p:style>
+          <a:lnRef idx="2">
+            <a:schemeClr val="accent6"/>
+          </a:lnRef>
+          <a:fillRef idx="1">
+            <a:schemeClr val="lt1"/>
+          </a:fillRef>
+          <a:effectRef idx="0">
+            <a:schemeClr val="accent6"/>
+          </a:effectRef>
+          <a:fontRef idx="minor">
+            <a:schemeClr val="dk1"/>
+          </a:fontRef>
+        </p:style>
+        <p:txBody>
+          <a:bodyPr rtlCol="0" anchor="ctr"/>
+          <a:p>
+            <a:pPr algn="ctr"/>
+            <a:endParaRPr lang="zh-CN" altLang="en-US"/>
+          </a:p>
+        </p:txBody>
+      </p:sp>
+      <p:sp>
+        <p:nvSpPr>
+          <p:cNvPr id="5" name="椭圆 4"/>
+          <p:cNvSpPr/>
+          <p:nvPr/>
+        </p:nvSpPr>
+        <p:spPr>
+          <a:xfrm>
+            <a:off x="725805" y="4117975"/>
+            <a:ext cx="668020" cy="668020"/>
+          </a:xfrm>
+          <a:prstGeom prst="ellipse">
+            <a:avLst/>
+          </a:prstGeom>
+        </p:spPr>
+        <p:style>
+          <a:lnRef idx="2">
+            <a:schemeClr val="accent1">
+              <a:shade val="50000"/>
+            </a:schemeClr>
+          </a:lnRef>
+          <a:fillRef idx="1">
+            <a:schemeClr val="accent1"/>
+          </a:fillRef>
+          <a:effectRef idx="0">
+            <a:schemeClr val="accent1"/>
+          </a:effectRef>
+          <a:fontRef idx="minor">
+            <a:schemeClr val="lt1"/>
+          </a:fontRef>
+        </p:style>
+        <p:txBody>
+          <a:bodyPr rtlCol="0" anchor="ctr"/>
+          <a:p>
+            <a:pPr algn="ctr"/>
+            <a:r>
+              <a:rPr lang="en-US" altLang="zh-CN" b="1"/>
+              <a:t>2</a:t>
+            </a:r>
+            <a:endParaRPr lang="en-US" altLang="zh-CN" b="1"/>
+          </a:p>
+        </p:txBody>
+      </p:sp>
+      <p:sp>
+        <p:nvSpPr>
+          <p:cNvPr id="8" name="椭圆 7"/>
+          <p:cNvSpPr/>
+          <p:nvPr/>
+        </p:nvSpPr>
+        <p:spPr>
+          <a:xfrm>
+            <a:off x="1684020" y="4117975"/>
+            <a:ext cx="668020" cy="668020"/>
+          </a:xfrm>
+          <a:prstGeom prst="ellipse">
+            <a:avLst/>
+          </a:prstGeom>
+        </p:spPr>
+        <p:style>
+          <a:lnRef idx="2">
+            <a:schemeClr val="accent1">
+              <a:shade val="50000"/>
+            </a:schemeClr>
+          </a:lnRef>
+          <a:fillRef idx="1">
+            <a:schemeClr val="accent1"/>
+          </a:fillRef>
+          <a:effectRef idx="0">
+            <a:schemeClr val="accent1"/>
+          </a:effectRef>
+          <a:fontRef idx="minor">
+            <a:schemeClr val="lt1"/>
+          </a:fontRef>
+        </p:style>
+        <p:txBody>
+          <a:bodyPr rtlCol="0" anchor="ctr"/>
+          <a:p>
+            <a:pPr algn="ctr"/>
+            <a:r>
+              <a:rPr lang="en-US" altLang="zh-CN" b="1"/>
+              <a:t>2</a:t>
+            </a:r>
+            <a:endParaRPr lang="en-US" altLang="zh-CN" b="1"/>
+          </a:p>
+        </p:txBody>
+      </p:sp>
+      <p:sp>
+        <p:nvSpPr>
+          <p:cNvPr id="9" name="椭圆 8"/>
+          <p:cNvSpPr/>
+          <p:nvPr/>
+        </p:nvSpPr>
+        <p:spPr>
+          <a:xfrm>
+            <a:off x="2642235" y="4117975"/>
+            <a:ext cx="668020" cy="668020"/>
+          </a:xfrm>
+          <a:prstGeom prst="ellipse">
+            <a:avLst/>
+          </a:prstGeom>
+        </p:spPr>
+        <p:style>
+          <a:lnRef idx="2">
+            <a:schemeClr val="accent1">
+              <a:shade val="50000"/>
+            </a:schemeClr>
+          </a:lnRef>
+          <a:fillRef idx="1">
+            <a:schemeClr val="accent1"/>
+          </a:fillRef>
+          <a:effectRef idx="0">
+            <a:schemeClr val="accent1"/>
+          </a:effectRef>
+          <a:fontRef idx="minor">
+            <a:schemeClr val="lt1"/>
+          </a:fontRef>
+        </p:style>
+        <p:txBody>
+          <a:bodyPr rtlCol="0" anchor="ctr"/>
+          <a:p>
+            <a:pPr algn="ctr"/>
+            <a:r>
+              <a:rPr lang="en-US" altLang="zh-CN" b="1"/>
+              <a:t>3</a:t>
+            </a:r>
+            <a:endParaRPr lang="en-US" altLang="zh-CN" b="1"/>
+          </a:p>
+        </p:txBody>
+      </p:sp>
+      <p:sp>
+        <p:nvSpPr>
+          <p:cNvPr id="10" name="椭圆 9"/>
+          <p:cNvSpPr/>
+          <p:nvPr/>
+        </p:nvSpPr>
+        <p:spPr>
+          <a:xfrm>
+            <a:off x="4820285" y="5778500"/>
+            <a:ext cx="668020" cy="668020"/>
+          </a:xfrm>
+          <a:prstGeom prst="ellipse">
+            <a:avLst/>
+          </a:prstGeom>
+        </p:spPr>
+        <p:style>
+          <a:lnRef idx="2">
+            <a:schemeClr val="accent1">
+              <a:shade val="50000"/>
+            </a:schemeClr>
+          </a:lnRef>
+          <a:fillRef idx="1">
+            <a:schemeClr val="accent1"/>
+          </a:fillRef>
+          <a:effectRef idx="0">
+            <a:schemeClr val="accent1"/>
+          </a:effectRef>
+          <a:fontRef idx="minor">
+            <a:schemeClr val="lt1"/>
+          </a:fontRef>
+        </p:style>
+        <p:txBody>
+          <a:bodyPr rtlCol="0" anchor="ctr"/>
+          <a:p>
+            <a:pPr algn="ctr"/>
+            <a:r>
+              <a:rPr lang="en-US" altLang="zh-CN" b="1"/>
+              <a:t>4</a:t>
+            </a:r>
+            <a:endParaRPr lang="en-US" altLang="zh-CN" b="1"/>
+          </a:p>
+        </p:txBody>
+      </p:sp>
+      <p:sp>
+        <p:nvSpPr>
+          <p:cNvPr id="16" name="心形 15"/>
+          <p:cNvSpPr/>
+          <p:nvPr/>
+        </p:nvSpPr>
+        <p:spPr>
+          <a:xfrm>
+            <a:off x="9533255" y="5778500"/>
+            <a:ext cx="668020" cy="668020"/>
+          </a:xfrm>
+          <a:prstGeom prst="heart">
+            <a:avLst/>
+          </a:prstGeom>
+        </p:spPr>
+        <p:style>
+          <a:lnRef idx="2">
+            <a:schemeClr val="accent4">
+              <a:shade val="50000"/>
+            </a:schemeClr>
+          </a:lnRef>
+          <a:fillRef idx="1">
+            <a:schemeClr val="accent4"/>
+          </a:fillRef>
+          <a:effectRef idx="0">
+            <a:schemeClr val="accent4"/>
+          </a:effectRef>
+          <a:fontRef idx="minor">
+            <a:schemeClr val="lt1"/>
+          </a:fontRef>
+        </p:style>
+        <p:txBody>
+          <a:bodyPr rtlCol="0" anchor="ctr"/>
+          <a:p>
+            <a:pPr algn="ctr"/>
+            <a:r>
+              <a:rPr lang="en-US" altLang="zh-CN" b="1"/>
+              <a:t>d</a:t>
+            </a:r>
+            <a:endParaRPr lang="en-US" altLang="zh-CN" b="1"/>
+          </a:p>
+        </p:txBody>
+      </p:sp>
+      <p:sp>
+        <p:nvSpPr>
+          <p:cNvPr id="19" name="椭圆 18"/>
+          <p:cNvSpPr/>
+          <p:nvPr/>
+        </p:nvSpPr>
+        <p:spPr>
+          <a:xfrm>
+            <a:off x="9344660" y="4069715"/>
+            <a:ext cx="668020" cy="668020"/>
+          </a:xfrm>
+          <a:prstGeom prst="ellipse">
+            <a:avLst/>
+          </a:prstGeom>
+        </p:spPr>
+        <p:style>
+          <a:lnRef idx="2">
+            <a:schemeClr val="accent2">
+              <a:shade val="50000"/>
+            </a:schemeClr>
+          </a:lnRef>
+          <a:fillRef idx="1">
+            <a:schemeClr val="accent2"/>
+          </a:fillRef>
+          <a:effectRef idx="0">
+            <a:schemeClr val="accent2"/>
+          </a:effectRef>
+          <a:fontRef idx="minor">
+            <a:schemeClr val="lt1"/>
+          </a:fontRef>
+        </p:style>
+        <p:txBody>
+          <a:bodyPr rtlCol="0" anchor="ctr"/>
+          <a:p>
+            <a:pPr algn="ctr"/>
+            <a:r>
+              <a:rPr lang="en-US" altLang="zh-CN" b="1"/>
+              <a:t>“”</a:t>
+            </a:r>
+            <a:endParaRPr lang="en-US" altLang="zh-CN" b="1"/>
+          </a:p>
+        </p:txBody>
+      </p:sp>
+      <p:sp>
+        <p:nvSpPr>
+          <p:cNvPr id="20" name="椭圆 19"/>
+          <p:cNvSpPr/>
+          <p:nvPr/>
+        </p:nvSpPr>
+        <p:spPr>
+          <a:xfrm>
+            <a:off x="10201275" y="4117975"/>
+            <a:ext cx="668020" cy="668020"/>
+          </a:xfrm>
+          <a:prstGeom prst="ellipse">
+            <a:avLst/>
+          </a:prstGeom>
+        </p:spPr>
+        <p:style>
+          <a:lnRef idx="2">
+            <a:schemeClr val="accent2">
+              <a:shade val="50000"/>
+            </a:schemeClr>
+          </a:lnRef>
+          <a:fillRef idx="1">
+            <a:schemeClr val="accent2"/>
+          </a:fillRef>
+          <a:effectRef idx="0">
+            <a:schemeClr val="accent2"/>
+          </a:effectRef>
+          <a:fontRef idx="minor">
+            <a:schemeClr val="lt1"/>
+          </a:fontRef>
+        </p:style>
+        <p:txBody>
+          <a:bodyPr rtlCol="0" anchor="ctr"/>
+          <a:p>
+            <a:pPr algn="ctr"/>
+            <a:r>
+              <a:rPr lang="en-US" altLang="zh-CN" b="1"/>
+              <a:t>“”</a:t>
+            </a:r>
+            <a:endParaRPr lang="en-US" altLang="zh-CN" b="1"/>
+          </a:p>
+        </p:txBody>
+      </p:sp>
+      <p:sp>
+        <p:nvSpPr>
+          <p:cNvPr id="15" name="心形 14"/>
+          <p:cNvSpPr/>
+          <p:nvPr/>
+        </p:nvSpPr>
+        <p:spPr>
+          <a:xfrm>
+            <a:off x="10221595" y="4248150"/>
+            <a:ext cx="668020" cy="668020"/>
+          </a:xfrm>
+          <a:prstGeom prst="heart">
+            <a:avLst/>
+          </a:prstGeom>
+        </p:spPr>
+        <p:style>
+          <a:lnRef idx="2">
+            <a:schemeClr val="accent4">
+              <a:shade val="50000"/>
+            </a:schemeClr>
+          </a:lnRef>
+          <a:fillRef idx="1">
+            <a:schemeClr val="accent4"/>
+          </a:fillRef>
+          <a:effectRef idx="0">
+            <a:schemeClr val="accent4"/>
+          </a:effectRef>
+          <a:fontRef idx="minor">
+            <a:schemeClr val="lt1"/>
+          </a:fontRef>
+        </p:style>
+        <p:txBody>
+          <a:bodyPr rtlCol="0" anchor="ctr"/>
+          <a:p>
+            <a:pPr algn="ctr"/>
+            <a:r>
+              <a:rPr lang="en-US" altLang="zh-CN" b="1"/>
+              <a:t>c</a:t>
+            </a:r>
+            <a:endParaRPr lang="en-US" altLang="zh-CN" b="1"/>
+          </a:p>
+        </p:txBody>
+      </p:sp>
+      <p:sp>
+        <p:nvSpPr>
+          <p:cNvPr id="6" name="矩形 5"/>
+          <p:cNvSpPr/>
+          <p:nvPr/>
+        </p:nvSpPr>
+        <p:spPr>
+          <a:xfrm>
+            <a:off x="6917055" y="4090670"/>
+            <a:ext cx="1046480" cy="647065"/>
+          </a:xfrm>
+          <a:prstGeom prst="rect">
+            <a:avLst/>
+          </a:prstGeom>
+        </p:spPr>
+        <p:style>
+          <a:lnRef idx="2">
+            <a:schemeClr val="accent1">
+              <a:shade val="50000"/>
+            </a:schemeClr>
+          </a:lnRef>
+          <a:fillRef idx="1">
+            <a:schemeClr val="accent1"/>
+          </a:fillRef>
+          <a:effectRef idx="0">
+            <a:schemeClr val="accent1"/>
+          </a:effectRef>
+          <a:fontRef idx="minor">
+            <a:schemeClr val="lt1"/>
+          </a:fontRef>
+        </p:style>
+        <p:txBody>
+          <a:bodyPr rtlCol="0" anchor="ctr"/>
+          <a:p>
+            <a:pPr algn="ctr"/>
+            <a:r>
+              <a:rPr lang="en-US" altLang="zh-CN"/>
+              <a:t>a</a:t>
+            </a:r>
+            <a:r>
+              <a:rPr lang="en-US" altLang="zh-CN">
+                <a:sym typeface="+mn-ea"/>
+              </a:rPr>
+              <a:t>bbb</a:t>
+            </a:r>
+            <a:endParaRPr lang="en-US" altLang="zh-CN"/>
+          </a:p>
+        </p:txBody>
+      </p:sp>
+    </p:spTree>
+    <p:custDataLst>
+      <p:tags r:id="rId1"/>
+    </p:custDataLst>
+  </p:cSld>
+  <p:clrMapOvr>
+    <a:masterClrMapping/>
+  </p:clrMapOvr>
+</p:sld>
+</file>
+
 <file path=ppt/tags/tag1.xml><?xml version="1.0" encoding="utf-8"?>
 <p:tagLst xmlns:p="http://schemas.openxmlformats.org/presentationml/2006/main">
   <p:tag name="KSO_WM_UNIT_HIGHLIGHT" val="0"/>
@@ -22121,188 +21244,79 @@
   <p:tag name="KSO_WM_TEMPLATE_INDEX" val="20202543"/>
   <p:tag name="KSO_WM_SLIDE_LAYOUT" val="a_b"/>
   <p:tag name="KSO_WM_SLIDE_LAYOUT_CNT" val="1_3"/>
+  <p:tag name="KSO_WM_SPECIAL_SOURCE" val="bdnull"/>
 </p:tagLst>
 </file>
 
 <file path=ppt/tags/tag202.xml><?xml version="1.0" encoding="utf-8"?>
 <p:tagLst xmlns:p="http://schemas.openxmlformats.org/presentationml/2006/main">
-  <p:tag name="KSO_WM_UNIT_HIGHLIGHT" val="0"/>
-  <p:tag name="KSO_WM_UNIT_COMPATIBLE" val="0"/>
-  <p:tag name="KSO_WM_UNIT_DIAGRAM_ISNUMVISUAL" val="0"/>
-  <p:tag name="KSO_WM_UNIT_DIAGRAM_ISREFERUNIT" val="0"/>
-  <p:tag name="KSO_WM_DIAGRAM_GROUP_CODE" val="l1-1"/>
-  <p:tag name="KSO_WM_UNIT_TYPE" val="l_h_i"/>
-  <p:tag name="KSO_WM_UNIT_INDEX" val="1_1_1"/>
-  <p:tag name="KSO_WM_UNIT_ID" val="custom20202543_4*l_h_i*1_1_1"/>
+  <p:tag name="KSO_WM_BEAUTIFY_FLAG" val="#wm#"/>
   <p:tag name="KSO_WM_TEMPLATE_CATEGORY" val="custom"/>
   <p:tag name="KSO_WM_TEMPLATE_INDEX" val="20202543"/>
-  <p:tag name="KSO_WM_UNIT_LAYERLEVEL" val="1_1_1"/>
-  <p:tag name="KSO_WM_TAG_VERSION" val="1.0"/>
-  <p:tag name="KSO_WM_BEAUTIFY_FLAG" val="#wm#"/>
-  <p:tag name="KSO_WM_UNIT_TEXT_FILL_FORE_SCHEMECOLOR_INDEX" val="5"/>
-  <p:tag name="KSO_WM_UNIT_TEXT_FILL_TYPE" val="1"/>
-  <p:tag name="KSO_WM_UNIT_USESOURCEFORMAT_APPLY" val="1"/>
+  <p:tag name="KSO_WM_SPECIAL_SOURCE" val="bdnull"/>
 </p:tagLst>
 </file>
 
 <file path=ppt/tags/tag203.xml><?xml version="1.0" encoding="utf-8"?>
 <p:tagLst xmlns:p="http://schemas.openxmlformats.org/presentationml/2006/main">
-  <p:tag name="KSO_WM_UNIT_SUBTYPE" val="a"/>
-  <p:tag name="KSO_WM_UNIT_NOCLEAR" val="0"/>
-  <p:tag name="KSO_WM_UNIT_VALUE" val="20"/>
-  <p:tag name="KSO_WM_UNIT_HIGHLIGHT" val="0"/>
-  <p:tag name="KSO_WM_UNIT_COMPATIBLE" val="0"/>
-  <p:tag name="KSO_WM_UNIT_DIAGRAM_ISNUMVISUAL" val="0"/>
-  <p:tag name="KSO_WM_UNIT_DIAGRAM_ISREFERUNIT" val="0"/>
-  <p:tag name="KSO_WM_DIAGRAM_GROUP_CODE" val="l1-1"/>
-  <p:tag name="KSO_WM_UNIT_TYPE" val="l_h_f"/>
-  <p:tag name="KSO_WM_UNIT_INDEX" val="1_1_1"/>
-  <p:tag name="KSO_WM_UNIT_ID" val="custom20202543_4*l_h_f*1_1_1"/>
+  <p:tag name="KSO_WM_BEAUTIFY_FLAG" val="#wm#"/>
   <p:tag name="KSO_WM_TEMPLATE_CATEGORY" val="custom"/>
   <p:tag name="KSO_WM_TEMPLATE_INDEX" val="20202543"/>
-  <p:tag name="KSO_WM_UNIT_LAYERLEVEL" val="1_1_1"/>
-  <p:tag name="KSO_WM_TAG_VERSION" val="1.0"/>
-  <p:tag name="KSO_WM_BEAUTIFY_FLAG" val="#wm#"/>
-  <p:tag name="KSO_WM_UNIT_PRESET_TEXT" val="单击此处添加文本具体内容"/>
-  <p:tag name="KSO_WM_UNIT_TEXT_FILL_FORE_SCHEMECOLOR_INDEX" val="13"/>
-  <p:tag name="KSO_WM_UNIT_TEXT_FILL_TYPE" val="1"/>
-  <p:tag name="KSO_WM_UNIT_USESOURCEFORMAT_APPLY" val="1"/>
+  <p:tag name="KSO_WM_SPECIAL_SOURCE" val="bdnull"/>
 </p:tagLst>
 </file>
 
 <file path=ppt/tags/tag204.xml><?xml version="1.0" encoding="utf-8"?>
 <p:tagLst xmlns:p="http://schemas.openxmlformats.org/presentationml/2006/main">
-  <p:tag name="KSO_WM_UNIT_HIGHLIGHT" val="0"/>
-  <p:tag name="KSO_WM_UNIT_COMPATIBLE" val="0"/>
-  <p:tag name="KSO_WM_UNIT_DIAGRAM_ISNUMVISUAL" val="0"/>
-  <p:tag name="KSO_WM_UNIT_DIAGRAM_ISREFERUNIT" val="0"/>
-  <p:tag name="KSO_WM_DIAGRAM_GROUP_CODE" val="l1-1"/>
-  <p:tag name="KSO_WM_UNIT_TYPE" val="l_h_i"/>
-  <p:tag name="KSO_WM_UNIT_INDEX" val="1_1_2"/>
-  <p:tag name="KSO_WM_UNIT_ID" val="custom20202543_4*l_h_i*1_1_2"/>
+  <p:tag name="KSO_WM_BEAUTIFY_FLAG" val="#wm#"/>
   <p:tag name="KSO_WM_TEMPLATE_CATEGORY" val="custom"/>
   <p:tag name="KSO_WM_TEMPLATE_INDEX" val="20202543"/>
-  <p:tag name="KSO_WM_UNIT_LAYERLEVEL" val="1_1_1"/>
-  <p:tag name="KSO_WM_TAG_VERSION" val="1.0"/>
-  <p:tag name="KSO_WM_BEAUTIFY_FLAG" val="#wm#"/>
-  <p:tag name="KSO_WM_UNIT_FILL_FORE_SCHEMECOLOR_INDEX" val="5"/>
-  <p:tag name="KSO_WM_UNIT_FILL_TYPE" val="1"/>
-  <p:tag name="KSO_WM_UNIT_USESOURCEFORMAT_APPLY" val="1"/>
+  <p:tag name="KSO_WM_SPECIAL_SOURCE" val="bdnull"/>
 </p:tagLst>
 </file>
 
 <file path=ppt/tags/tag205.xml><?xml version="1.0" encoding="utf-8"?>
 <p:tagLst xmlns:p="http://schemas.openxmlformats.org/presentationml/2006/main">
-  <p:tag name="KSO_WM_UNIT_HIGHLIGHT" val="0"/>
-  <p:tag name="KSO_WM_UNIT_COMPATIBLE" val="0"/>
-  <p:tag name="KSO_WM_UNIT_DIAGRAM_ISNUMVISUAL" val="0"/>
-  <p:tag name="KSO_WM_UNIT_DIAGRAM_ISREFERUNIT" val="0"/>
-  <p:tag name="KSO_WM_DIAGRAM_GROUP_CODE" val="l1-1"/>
-  <p:tag name="KSO_WM_UNIT_TYPE" val="l_h_i"/>
-  <p:tag name="KSO_WM_UNIT_INDEX" val="1_2_1"/>
-  <p:tag name="KSO_WM_UNIT_ID" val="custom20202543_4*l_h_i*1_2_1"/>
+  <p:tag name="KSO_WM_BEAUTIFY_FLAG" val="#wm#"/>
   <p:tag name="KSO_WM_TEMPLATE_CATEGORY" val="custom"/>
   <p:tag name="KSO_WM_TEMPLATE_INDEX" val="20202543"/>
-  <p:tag name="KSO_WM_UNIT_LAYERLEVEL" val="1_1_1"/>
-  <p:tag name="KSO_WM_TAG_VERSION" val="1.0"/>
-  <p:tag name="KSO_WM_BEAUTIFY_FLAG" val="#wm#"/>
-  <p:tag name="KSO_WM_UNIT_TEXT_FILL_FORE_SCHEMECOLOR_INDEX" val="5"/>
-  <p:tag name="KSO_WM_UNIT_TEXT_FILL_TYPE" val="1"/>
-  <p:tag name="KSO_WM_UNIT_USESOURCEFORMAT_APPLY" val="1"/>
+  <p:tag name="KSO_WM_SPECIAL_SOURCE" val="bdnull"/>
 </p:tagLst>
 </file>
 
 <file path=ppt/tags/tag206.xml><?xml version="1.0" encoding="utf-8"?>
 <p:tagLst xmlns:p="http://schemas.openxmlformats.org/presentationml/2006/main">
-  <p:tag name="KSO_WM_UNIT_SUBTYPE" val="a"/>
-  <p:tag name="KSO_WM_UNIT_NOCLEAR" val="0"/>
-  <p:tag name="KSO_WM_UNIT_VALUE" val="20"/>
-  <p:tag name="KSO_WM_UNIT_HIGHLIGHT" val="0"/>
-  <p:tag name="KSO_WM_UNIT_COMPATIBLE" val="0"/>
-  <p:tag name="KSO_WM_UNIT_DIAGRAM_ISNUMVISUAL" val="0"/>
-  <p:tag name="KSO_WM_UNIT_DIAGRAM_ISREFERUNIT" val="0"/>
-  <p:tag name="KSO_WM_DIAGRAM_GROUP_CODE" val="l1-1"/>
-  <p:tag name="KSO_WM_UNIT_TYPE" val="l_h_f"/>
-  <p:tag name="KSO_WM_UNIT_INDEX" val="1_2_1"/>
-  <p:tag name="KSO_WM_UNIT_ID" val="custom20202543_4*l_h_f*1_2_1"/>
+  <p:tag name="KSO_WM_BEAUTIFY_FLAG" val="#wm#"/>
   <p:tag name="KSO_WM_TEMPLATE_CATEGORY" val="custom"/>
   <p:tag name="KSO_WM_TEMPLATE_INDEX" val="20202543"/>
-  <p:tag name="KSO_WM_UNIT_LAYERLEVEL" val="1_1_1"/>
-  <p:tag name="KSO_WM_TAG_VERSION" val="1.0"/>
-  <p:tag name="KSO_WM_BEAUTIFY_FLAG" val="#wm#"/>
-  <p:tag name="KSO_WM_UNIT_PRESET_TEXT" val="单击此处添加文本具体内容"/>
-  <p:tag name="KSO_WM_UNIT_TEXT_FILL_FORE_SCHEMECOLOR_INDEX" val="13"/>
-  <p:tag name="KSO_WM_UNIT_TEXT_FILL_TYPE" val="1"/>
-  <p:tag name="KSO_WM_UNIT_USESOURCEFORMAT_APPLY" val="1"/>
+  <p:tag name="KSO_WM_SPECIAL_SOURCE" val="bdnull"/>
 </p:tagLst>
 </file>
 
 <file path=ppt/tags/tag207.xml><?xml version="1.0" encoding="utf-8"?>
 <p:tagLst xmlns:p="http://schemas.openxmlformats.org/presentationml/2006/main">
-  <p:tag name="KSO_WM_UNIT_HIGHLIGHT" val="0"/>
-  <p:tag name="KSO_WM_UNIT_COMPATIBLE" val="0"/>
-  <p:tag name="KSO_WM_UNIT_DIAGRAM_ISNUMVISUAL" val="0"/>
-  <p:tag name="KSO_WM_UNIT_DIAGRAM_ISREFERUNIT" val="0"/>
-  <p:tag name="KSO_WM_DIAGRAM_GROUP_CODE" val="l1-1"/>
-  <p:tag name="KSO_WM_UNIT_TYPE" val="l_h_i"/>
-  <p:tag name="KSO_WM_UNIT_INDEX" val="1_2_2"/>
-  <p:tag name="KSO_WM_UNIT_ID" val="custom20202543_4*l_h_i*1_2_2"/>
+  <p:tag name="KSO_WM_BEAUTIFY_FLAG" val="#wm#"/>
   <p:tag name="KSO_WM_TEMPLATE_CATEGORY" val="custom"/>
   <p:tag name="KSO_WM_TEMPLATE_INDEX" val="20202543"/>
-  <p:tag name="KSO_WM_UNIT_LAYERLEVEL" val="1_1_1"/>
-  <p:tag name="KSO_WM_TAG_VERSION" val="1.0"/>
-  <p:tag name="KSO_WM_BEAUTIFY_FLAG" val="#wm#"/>
-  <p:tag name="KSO_WM_UNIT_FILL_FORE_SCHEMECOLOR_INDEX" val="6"/>
-  <p:tag name="KSO_WM_UNIT_FILL_TYPE" val="1"/>
-  <p:tag name="KSO_WM_UNIT_TEXT_FILL_FORE_SCHEMECOLOR_INDEX" val="5"/>
-  <p:tag name="KSO_WM_UNIT_TEXT_FILL_TYPE" val="1"/>
-  <p:tag name="KSO_WM_UNIT_USESOURCEFORMAT_APPLY" val="1"/>
+  <p:tag name="KSO_WM_SPECIAL_SOURCE" val="bdnull"/>
 </p:tagLst>
 </file>
 
 <file path=ppt/tags/tag208.xml><?xml version="1.0" encoding="utf-8"?>
 <p:tagLst xmlns:p="http://schemas.openxmlformats.org/presentationml/2006/main">
-  <p:tag name="KSO_WM_UNIT_HIGHLIGHT" val="0"/>
-  <p:tag name="KSO_WM_UNIT_COMPATIBLE" val="0"/>
-  <p:tag name="KSO_WM_UNIT_DIAGRAM_ISNUMVISUAL" val="0"/>
-  <p:tag name="KSO_WM_UNIT_DIAGRAM_ISREFERUNIT" val="0"/>
-  <p:tag name="KSO_WM_DIAGRAM_GROUP_CODE" val="l1-1"/>
-  <p:tag name="KSO_WM_UNIT_TYPE" val="l_h_i"/>
-  <p:tag name="KSO_WM_UNIT_INDEX" val="1_3_1"/>
-  <p:tag name="KSO_WM_UNIT_ID" val="custom20202543_4*l_h_i*1_3_1"/>
+  <p:tag name="KSO_WM_BEAUTIFY_FLAG" val="#wm#"/>
   <p:tag name="KSO_WM_TEMPLATE_CATEGORY" val="custom"/>
   <p:tag name="KSO_WM_TEMPLATE_INDEX" val="20202543"/>
-  <p:tag name="KSO_WM_UNIT_LAYERLEVEL" val="1_1_1"/>
-  <p:tag name="KSO_WM_TAG_VERSION" val="1.0"/>
-  <p:tag name="KSO_WM_BEAUTIFY_FLAG" val="#wm#"/>
-  <p:tag name="KSO_WM_UNIT_TEXT_FILL_FORE_SCHEMECOLOR_INDEX" val="5"/>
-  <p:tag name="KSO_WM_UNIT_TEXT_FILL_TYPE" val="1"/>
-  <p:tag name="KSO_WM_UNIT_USESOURCEFORMAT_APPLY" val="1"/>
+  <p:tag name="KSO_WM_SPECIAL_SOURCE" val="bdnull"/>
 </p:tagLst>
 </file>
 
 <file path=ppt/tags/tag209.xml><?xml version="1.0" encoding="utf-8"?>
 <p:tagLst xmlns:p="http://schemas.openxmlformats.org/presentationml/2006/main">
-  <p:tag name="KSO_WM_UNIT_SUBTYPE" val="a"/>
-  <p:tag name="KSO_WM_UNIT_NOCLEAR" val="0"/>
-  <p:tag name="KSO_WM_UNIT_VALUE" val="20"/>
-  <p:tag name="KSO_WM_UNIT_HIGHLIGHT" val="0"/>
-  <p:tag name="KSO_WM_UNIT_COMPATIBLE" val="0"/>
-  <p:tag name="KSO_WM_UNIT_DIAGRAM_ISNUMVISUAL" val="0"/>
-  <p:tag name="KSO_WM_UNIT_DIAGRAM_ISREFERUNIT" val="0"/>
-  <p:tag name="KSO_WM_DIAGRAM_GROUP_CODE" val="l1-1"/>
-  <p:tag name="KSO_WM_UNIT_TYPE" val="l_h_f"/>
-  <p:tag name="KSO_WM_UNIT_INDEX" val="1_3_1"/>
-  <p:tag name="KSO_WM_UNIT_ID" val="custom20202543_4*l_h_f*1_3_1"/>
+  <p:tag name="KSO_WM_BEAUTIFY_FLAG" val="#wm#"/>
   <p:tag name="KSO_WM_TEMPLATE_CATEGORY" val="custom"/>
   <p:tag name="KSO_WM_TEMPLATE_INDEX" val="20202543"/>
-  <p:tag name="KSO_WM_UNIT_LAYERLEVEL" val="1_1_1"/>
-  <p:tag name="KSO_WM_TAG_VERSION" val="1.0"/>
-  <p:tag name="KSO_WM_BEAUTIFY_FLAG" val="#wm#"/>
-  <p:tag name="KSO_WM_UNIT_PRESET_TEXT" val="单击此处添加文本具体内容"/>
-  <p:tag name="KSO_WM_UNIT_TEXT_FILL_FORE_SCHEMECOLOR_INDEX" val="13"/>
-  <p:tag name="KSO_WM_UNIT_TEXT_FILL_TYPE" val="1"/>
-  <p:tag name="KSO_WM_UNIT_USESOURCEFORMAT_APPLY" val="1"/>
+  <p:tag name="KSO_WM_SPECIAL_SOURCE" val="bdnull"/>
 </p:tagLst>
 </file>
 
@@ -22321,190 +21335,70 @@
 
 <file path=ppt/tags/tag210.xml><?xml version="1.0" encoding="utf-8"?>
 <p:tagLst xmlns:p="http://schemas.openxmlformats.org/presentationml/2006/main">
-  <p:tag name="KSO_WM_UNIT_HIGHLIGHT" val="0"/>
-  <p:tag name="KSO_WM_UNIT_COMPATIBLE" val="0"/>
-  <p:tag name="KSO_WM_UNIT_DIAGRAM_ISNUMVISUAL" val="0"/>
-  <p:tag name="KSO_WM_UNIT_DIAGRAM_ISREFERUNIT" val="0"/>
-  <p:tag name="KSO_WM_DIAGRAM_GROUP_CODE" val="l1-1"/>
-  <p:tag name="KSO_WM_UNIT_TYPE" val="l_h_i"/>
-  <p:tag name="KSO_WM_UNIT_INDEX" val="1_3_2"/>
-  <p:tag name="KSO_WM_UNIT_ID" val="custom20202543_4*l_h_i*1_3_2"/>
-  <p:tag name="KSO_WM_TEMPLATE_CATEGORY" val="custom"/>
-  <p:tag name="KSO_WM_TEMPLATE_INDEX" val="20202543"/>
-  <p:tag name="KSO_WM_UNIT_LAYERLEVEL" val="1_1_1"/>
-  <p:tag name="KSO_WM_TAG_VERSION" val="1.0"/>
-  <p:tag name="KSO_WM_BEAUTIFY_FLAG" val="#wm#"/>
-  <p:tag name="KSO_WM_UNIT_FILL_FORE_SCHEMECOLOR_INDEX" val="6"/>
-  <p:tag name="KSO_WM_UNIT_FILL_TYPE" val="1"/>
-  <p:tag name="KSO_WM_UNIT_TEXT_FILL_FORE_SCHEMECOLOR_INDEX" val="5"/>
-  <p:tag name="KSO_WM_UNIT_TEXT_FILL_TYPE" val="1"/>
-  <p:tag name="KSO_WM_UNIT_USESOURCEFORMAT_APPLY" val="1"/>
-</p:tagLst>
-</file>
-
-<file path=ppt/tags/tag211.xml><?xml version="1.0" encoding="utf-8"?>
-<p:tagLst xmlns:p="http://schemas.openxmlformats.org/presentationml/2006/main">
-  <p:tag name="KSO_WM_UNIT_HIGHLIGHT" val="0"/>
-  <p:tag name="KSO_WM_UNIT_COMPATIBLE" val="0"/>
-  <p:tag name="KSO_WM_UNIT_DIAGRAM_ISNUMVISUAL" val="0"/>
-  <p:tag name="KSO_WM_UNIT_DIAGRAM_ISREFERUNIT" val="0"/>
-  <p:tag name="KSO_WM_DIAGRAM_GROUP_CODE" val="l1-1"/>
-  <p:tag name="KSO_WM_UNIT_TYPE" val="l_h_i"/>
-  <p:tag name="KSO_WM_UNIT_INDEX" val="1_4_1"/>
-  <p:tag name="KSO_WM_UNIT_ID" val="custom20202543_4*l_h_i*1_4_1"/>
-  <p:tag name="KSO_WM_TEMPLATE_CATEGORY" val="custom"/>
-  <p:tag name="KSO_WM_TEMPLATE_INDEX" val="20202543"/>
-  <p:tag name="KSO_WM_UNIT_LAYERLEVEL" val="1_1_1"/>
-  <p:tag name="KSO_WM_TAG_VERSION" val="1.0"/>
-  <p:tag name="KSO_WM_BEAUTIFY_FLAG" val="#wm#"/>
-  <p:tag name="KSO_WM_UNIT_TEXT_FILL_FORE_SCHEMECOLOR_INDEX" val="5"/>
-  <p:tag name="KSO_WM_UNIT_TEXT_FILL_TYPE" val="1"/>
-  <p:tag name="KSO_WM_UNIT_USESOURCEFORMAT_APPLY" val="1"/>
-</p:tagLst>
-</file>
-
-<file path=ppt/tags/tag212.xml><?xml version="1.0" encoding="utf-8"?>
-<p:tagLst xmlns:p="http://schemas.openxmlformats.org/presentationml/2006/main">
-  <p:tag name="KSO_WM_UNIT_SUBTYPE" val="a"/>
-  <p:tag name="KSO_WM_UNIT_NOCLEAR" val="0"/>
-  <p:tag name="KSO_WM_UNIT_VALUE" val="20"/>
-  <p:tag name="KSO_WM_UNIT_HIGHLIGHT" val="0"/>
-  <p:tag name="KSO_WM_UNIT_COMPATIBLE" val="0"/>
-  <p:tag name="KSO_WM_UNIT_DIAGRAM_ISNUMVISUAL" val="0"/>
-  <p:tag name="KSO_WM_UNIT_DIAGRAM_ISREFERUNIT" val="0"/>
-  <p:tag name="KSO_WM_DIAGRAM_GROUP_CODE" val="l1-1"/>
-  <p:tag name="KSO_WM_UNIT_TYPE" val="l_h_f"/>
-  <p:tag name="KSO_WM_UNIT_INDEX" val="1_4_1"/>
-  <p:tag name="KSO_WM_UNIT_ID" val="custom20202543_4*l_h_f*1_4_1"/>
-  <p:tag name="KSO_WM_TEMPLATE_CATEGORY" val="custom"/>
-  <p:tag name="KSO_WM_TEMPLATE_INDEX" val="20202543"/>
-  <p:tag name="KSO_WM_UNIT_LAYERLEVEL" val="1_1_1"/>
-  <p:tag name="KSO_WM_TAG_VERSION" val="1.0"/>
-  <p:tag name="KSO_WM_BEAUTIFY_FLAG" val="#wm#"/>
-  <p:tag name="KSO_WM_UNIT_PRESET_TEXT" val="单击此处添加文本具体内容"/>
-  <p:tag name="KSO_WM_UNIT_TEXT_FILL_FORE_SCHEMECOLOR_INDEX" val="13"/>
-  <p:tag name="KSO_WM_UNIT_TEXT_FILL_TYPE" val="1"/>
-  <p:tag name="KSO_WM_UNIT_USESOURCEFORMAT_APPLY" val="1"/>
-</p:tagLst>
-</file>
-
-<file path=ppt/tags/tag213.xml><?xml version="1.0" encoding="utf-8"?>
-<p:tagLst xmlns:p="http://schemas.openxmlformats.org/presentationml/2006/main">
-  <p:tag name="KSO_WM_UNIT_HIGHLIGHT" val="0"/>
-  <p:tag name="KSO_WM_UNIT_COMPATIBLE" val="0"/>
-  <p:tag name="KSO_WM_UNIT_DIAGRAM_ISNUMVISUAL" val="0"/>
-  <p:tag name="KSO_WM_UNIT_DIAGRAM_ISREFERUNIT" val="0"/>
-  <p:tag name="KSO_WM_DIAGRAM_GROUP_CODE" val="l1-1"/>
-  <p:tag name="KSO_WM_UNIT_TYPE" val="l_h_i"/>
-  <p:tag name="KSO_WM_UNIT_INDEX" val="1_4_2"/>
-  <p:tag name="KSO_WM_UNIT_ID" val="custom20202543_4*l_h_i*1_4_2"/>
-  <p:tag name="KSO_WM_TEMPLATE_CATEGORY" val="custom"/>
-  <p:tag name="KSO_WM_TEMPLATE_INDEX" val="20202543"/>
-  <p:tag name="KSO_WM_UNIT_LAYERLEVEL" val="1_1_1"/>
-  <p:tag name="KSO_WM_TAG_VERSION" val="1.0"/>
-  <p:tag name="KSO_WM_BEAUTIFY_FLAG" val="#wm#"/>
-  <p:tag name="KSO_WM_UNIT_FILL_FORE_SCHEMECOLOR_INDEX" val="6"/>
-  <p:tag name="KSO_WM_UNIT_FILL_TYPE" val="1"/>
-  <p:tag name="KSO_WM_UNIT_TEXT_FILL_FORE_SCHEMECOLOR_INDEX" val="5"/>
-  <p:tag name="KSO_WM_UNIT_TEXT_FILL_TYPE" val="1"/>
-  <p:tag name="KSO_WM_UNIT_USESOURCEFORMAT_APPLY" val="1"/>
-</p:tagLst>
-</file>
-
-<file path=ppt/tags/tag214.xml><?xml version="1.0" encoding="utf-8"?>
-<p:tagLst xmlns:p="http://schemas.openxmlformats.org/presentationml/2006/main">
-  <p:tag name="KSO_WM_UNIT_ISCONTENTSTITLE" val="0"/>
-  <p:tag name="KSO_WM_UNIT_ISNUMDGMTITLE" val="0"/>
-  <p:tag name="KSO_WM_UNIT_NOCLEAR" val="0"/>
-  <p:tag name="KSO_WM_UNIT_VALUE" val="7"/>
-  <p:tag name="KSO_WM_UNIT_HIGHLIGHT" val="0"/>
-  <p:tag name="KSO_WM_UNIT_COMPATIBLE" val="0"/>
-  <p:tag name="KSO_WM_UNIT_DIAGRAM_ISNUMVISUAL" val="0"/>
-  <p:tag name="KSO_WM_UNIT_DIAGRAM_ISREFERUNIT" val="0"/>
-  <p:tag name="KSO_WM_DIAGRAM_GROUP_CODE" val="l1-1"/>
-  <p:tag name="KSO_WM_UNIT_TYPE" val="b"/>
-  <p:tag name="KSO_WM_UNIT_INDEX" val="1"/>
-  <p:tag name="KSO_WM_UNIT_ID" val="custom20202543_4*b*1"/>
-  <p:tag name="KSO_WM_TEMPLATE_CATEGORY" val="custom"/>
-  <p:tag name="KSO_WM_TEMPLATE_INDEX" val="20202543"/>
-  <p:tag name="KSO_WM_UNIT_LAYERLEVEL" val="1"/>
-  <p:tag name="KSO_WM_TAG_VERSION" val="1.0"/>
-  <p:tag name="KSO_WM_BEAUTIFY_FLAG" val="#wm#"/>
-  <p:tag name="KSO_WM_UNIT_PRESET_TEXT" val="CONTENTS"/>
-  <p:tag name="KSO_WM_UNIT_TEXT_FILL_FORE_SCHEMECOLOR_INDEX" val="13"/>
-  <p:tag name="KSO_WM_UNIT_TEXT_FILL_TYPE" val="1"/>
-  <p:tag name="KSO_WM_UNIT_USESOURCEFORMAT_APPLY" val="1"/>
-</p:tagLst>
-</file>
-
-<file path=ppt/tags/tag215.xml><?xml version="1.0" encoding="utf-8"?>
-<p:tagLst xmlns:p="http://schemas.openxmlformats.org/presentationml/2006/main">
-  <p:tag name="KSO_WM_UNIT_ISCONTENTSTITLE" val="1"/>
-  <p:tag name="KSO_WM_UNIT_ISNUMDGMTITLE" val="0"/>
-  <p:tag name="KSO_WM_UNIT_NOCLEAR" val="0"/>
-  <p:tag name="KSO_WM_UNIT_VALUE" val="2"/>
-  <p:tag name="KSO_WM_UNIT_HIGHLIGHT" val="0"/>
-  <p:tag name="KSO_WM_UNIT_COMPATIBLE" val="0"/>
-  <p:tag name="KSO_WM_UNIT_DIAGRAM_ISNUMVISUAL" val="0"/>
-  <p:tag name="KSO_WM_UNIT_DIAGRAM_ISREFERUNIT" val="0"/>
-  <p:tag name="KSO_WM_DIAGRAM_GROUP_CODE" val="l1-1"/>
-  <p:tag name="KSO_WM_UNIT_TYPE" val="a"/>
-  <p:tag name="KSO_WM_UNIT_INDEX" val="1"/>
-  <p:tag name="KSO_WM_UNIT_ID" val="custom20202543_4*a*1"/>
-  <p:tag name="KSO_WM_TEMPLATE_CATEGORY" val="custom"/>
-  <p:tag name="KSO_WM_TEMPLATE_INDEX" val="20202543"/>
-  <p:tag name="KSO_WM_UNIT_LAYERLEVEL" val="1"/>
-  <p:tag name="KSO_WM_TAG_VERSION" val="1.0"/>
-  <p:tag name="KSO_WM_BEAUTIFY_FLAG" val="#wm#"/>
-  <p:tag name="KSO_WM_UNIT_PRESET_TEXT" val="目录"/>
-  <p:tag name="KSO_WM_UNIT_TEXT_FILL_FORE_SCHEMECOLOR_INDEX" val="13"/>
-  <p:tag name="KSO_WM_UNIT_TEXT_FILL_TYPE" val="1"/>
-  <p:tag name="KSO_WM_UNIT_USESOURCEFORMAT_APPLY" val="1"/>
-</p:tagLst>
-</file>
-
-<file path=ppt/tags/tag216.xml><?xml version="1.0" encoding="utf-8"?>
-<p:tagLst xmlns:p="http://schemas.openxmlformats.org/presentationml/2006/main">
-  <p:tag name="KSO_WM_SLIDE_ID" val="custom20202543_4"/>
-  <p:tag name="KSO_WM_TEMPLATE_SUBCATEGORY" val="0"/>
-  <p:tag name="KSO_WM_TEMPLATE_MASTER_TYPE" val="1"/>
-  <p:tag name="KSO_WM_TEMPLATE_COLOR_TYPE" val="1"/>
-  <p:tag name="KSO_WM_SLIDE_TYPE" val="contents"/>
-  <p:tag name="KSO_WM_SLIDE_SUBTYPE" val="diag"/>
-  <p:tag name="KSO_WM_SLIDE_ITEM_CNT" val="4"/>
-  <p:tag name="KSO_WM_SLIDE_INDEX" val="4"/>
-  <p:tag name="KSO_WM_DIAGRAM_GROUP_CODE" val="l1-1"/>
-  <p:tag name="KSO_WM_SLIDE_DIAGTYPE" val="l"/>
-  <p:tag name="KSO_WM_TAG_VERSION" val="1.0"/>
   <p:tag name="KSO_WM_BEAUTIFY_FLAG" val="#wm#"/>
   <p:tag name="KSO_WM_TEMPLATE_CATEGORY" val="custom"/>
   <p:tag name="KSO_WM_TEMPLATE_INDEX" val="20202543"/>
-  <p:tag name="KSO_WM_SLIDE_LAYOUT" val="a_b_l"/>
-  <p:tag name="KSO_WM_SLIDE_LAYOUT_CNT" val="1_1_1"/>
+  <p:tag name="KSO_WM_SPECIAL_SOURCE" val="bdnull"/>
 </p:tagLst>
 </file>
 
-<file path=ppt/tags/tag217.xml><?xml version="1.0" encoding="utf-8"?>
+<file path=ppt/tags/tag211.xml><?xml version="1.0" encoding="utf-8"?>
 <p:tagLst xmlns:p="http://schemas.openxmlformats.org/presentationml/2006/main">
   <p:tag name="KSO_WM_BEAUTIFY_FLAG" val="#wm#"/>
   <p:tag name="KSO_WM_TEMPLATE_CATEGORY" val="custom"/>
   <p:tag name="KSO_WM_TEMPLATE_INDEX" val="20202543"/>
+  <p:tag name="KSO_WM_SPECIAL_SOURCE" val="bdnull"/>
 </p:tagLst>
 </file>
 
-<file path=ppt/tags/tag218.xml><?xml version="1.0" encoding="utf-8"?>
+<file path=ppt/tags/tag212.xml><?xml version="1.0" encoding="utf-8"?>
 <p:tagLst xmlns:p="http://schemas.openxmlformats.org/presentationml/2006/main">
   <p:tag name="KSO_WM_BEAUTIFY_FLAG" val="#wm#"/>
   <p:tag name="KSO_WM_TEMPLATE_CATEGORY" val="custom"/>
   <p:tag name="KSO_WM_TEMPLATE_INDEX" val="20202543"/>
+  <p:tag name="KSO_WM_SPECIAL_SOURCE" val="bdnull"/>
 </p:tagLst>
 </file>
 
-<file path=ppt/tags/tag219.xml><?xml version="1.0" encoding="utf-8"?>
+<file path=ppt/tags/tag213.xml><?xml version="1.0" encoding="utf-8"?>
 <p:tagLst xmlns:p="http://schemas.openxmlformats.org/presentationml/2006/main">
   <p:tag name="KSO_WM_BEAUTIFY_FLAG" val="#wm#"/>
   <p:tag name="KSO_WM_TEMPLATE_CATEGORY" val="custom"/>
   <p:tag name="KSO_WM_TEMPLATE_INDEX" val="20202543"/>
+  <p:tag name="KSO_WM_SPECIAL_SOURCE" val="bdnull"/>
+</p:tagLst>
+</file>
+
+<file path=ppt/tags/tag214.xml><?xml version="1.0" encoding="utf-8"?>
+<p:tagLst xmlns:p="http://schemas.openxmlformats.org/presentationml/2006/main">
+  <p:tag name="KSO_WM_BEAUTIFY_FLAG" val="#wm#"/>
+  <p:tag name="KSO_WM_TEMPLATE_CATEGORY" val="custom"/>
+  <p:tag name="KSO_WM_TEMPLATE_INDEX" val="20202543"/>
+  <p:tag name="KSO_WM_SPECIAL_SOURCE" val="bdnull"/>
+</p:tagLst>
+</file>
+
+<file path=ppt/tags/tag215.xml><?xml version="1.0" encoding="utf-8"?>
+<p:tagLst xmlns:p="http://schemas.openxmlformats.org/presentationml/2006/main">
+  <p:tag name="KSO_WM_BEAUTIFY_FLAG" val="#wm#"/>
+  <p:tag name="KSO_WM_TEMPLATE_CATEGORY" val="custom"/>
+  <p:tag name="KSO_WM_TEMPLATE_INDEX" val="20202543"/>
+  <p:tag name="KSO_WM_SPECIAL_SOURCE" val="bdnull"/>
+</p:tagLst>
+</file>
+
+<file path=ppt/tags/tag216.xml><?xml version="1.0" encoding="utf-8"?>
+<p:tagLst xmlns:p="http://schemas.openxmlformats.org/presentationml/2006/main">
+  <p:tag name="KSO_WM_BEAUTIFY_FLAG" val="#wm#"/>
+  <p:tag name="KSO_WM_TEMPLATE_CATEGORY" val="custom"/>
+  <p:tag name="KSO_WM_TEMPLATE_INDEX" val="20202543"/>
+  <p:tag name="KSO_WM_SPECIAL_SOURCE" val="bdnull"/>
+</p:tagLst>
+</file>
+
+<file path=ppt/tags/tag217.xml><?xml version="1.0" encoding="utf-8"?>
+<p:tagLst xmlns:p="http://schemas.openxmlformats.org/presentationml/2006/main">
+  <p:tag name="KSO_DOCER_TEMPLATE_OPEN_ONCE_MARK" val="1"/>
 </p:tagLst>
 </file>
 
@@ -22518,86 +21412,6 @@
   <p:tag name="KSO_WM_UNIT_LAYERLEVEL" val="1"/>
   <p:tag name="KSO_WM_TAG_VERSION" val="1.0"/>
   <p:tag name="KSO_WM_BEAUTIFY_FLAG" val="#wm#"/>
-</p:tagLst>
-</file>
-
-<file path=ppt/tags/tag220.xml><?xml version="1.0" encoding="utf-8"?>
-<p:tagLst xmlns:p="http://schemas.openxmlformats.org/presentationml/2006/main">
-  <p:tag name="KSO_WM_BEAUTIFY_FLAG" val="#wm#"/>
-  <p:tag name="KSO_WM_TEMPLATE_CATEGORY" val="custom"/>
-  <p:tag name="KSO_WM_TEMPLATE_INDEX" val="20202543"/>
-</p:tagLst>
-</file>
-
-<file path=ppt/tags/tag221.xml><?xml version="1.0" encoding="utf-8"?>
-<p:tagLst xmlns:p="http://schemas.openxmlformats.org/presentationml/2006/main">
-  <p:tag name="KSO_WM_BEAUTIFY_FLAG" val="#wm#"/>
-  <p:tag name="KSO_WM_TEMPLATE_CATEGORY" val="custom"/>
-  <p:tag name="KSO_WM_TEMPLATE_INDEX" val="20202543"/>
-</p:tagLst>
-</file>
-
-<file path=ppt/tags/tag222.xml><?xml version="1.0" encoding="utf-8"?>
-<p:tagLst xmlns:p="http://schemas.openxmlformats.org/presentationml/2006/main">
-  <p:tag name="KSO_WM_BEAUTIFY_FLAG" val="#wm#"/>
-  <p:tag name="KSO_WM_TEMPLATE_CATEGORY" val="custom"/>
-  <p:tag name="KSO_WM_TEMPLATE_INDEX" val="20202543"/>
-</p:tagLst>
-</file>
-
-<file path=ppt/tags/tag223.xml><?xml version="1.0" encoding="utf-8"?>
-<p:tagLst xmlns:p="http://schemas.openxmlformats.org/presentationml/2006/main">
-  <p:tag name="KSO_WM_BEAUTIFY_FLAG" val="#wm#"/>
-  <p:tag name="KSO_WM_TEMPLATE_CATEGORY" val="custom"/>
-  <p:tag name="KSO_WM_TEMPLATE_INDEX" val="20202543"/>
-</p:tagLst>
-</file>
-
-<file path=ppt/tags/tag224.xml><?xml version="1.0" encoding="utf-8"?>
-<p:tagLst xmlns:p="http://schemas.openxmlformats.org/presentationml/2006/main">
-  <p:tag name="KSO_WM_BEAUTIFY_FLAG" val="#wm#"/>
-  <p:tag name="KSO_WM_TEMPLATE_CATEGORY" val="custom"/>
-  <p:tag name="KSO_WM_TEMPLATE_INDEX" val="20202543"/>
-</p:tagLst>
-</file>
-
-<file path=ppt/tags/tag225.xml><?xml version="1.0" encoding="utf-8"?>
-<p:tagLst xmlns:p="http://schemas.openxmlformats.org/presentationml/2006/main">
-  <p:tag name="KSO_WM_BEAUTIFY_FLAG" val="#wm#"/>
-  <p:tag name="KSO_WM_TEMPLATE_CATEGORY" val="custom"/>
-  <p:tag name="KSO_WM_TEMPLATE_INDEX" val="20202543"/>
-</p:tagLst>
-</file>
-
-<file path=ppt/tags/tag226.xml><?xml version="1.0" encoding="utf-8"?>
-<p:tagLst xmlns:p="http://schemas.openxmlformats.org/presentationml/2006/main">
-  <p:tag name="KSO_WM_BEAUTIFY_FLAG" val="#wm#"/>
-  <p:tag name="KSO_WM_TEMPLATE_CATEGORY" val="custom"/>
-  <p:tag name="KSO_WM_TEMPLATE_INDEX" val="20202543"/>
-</p:tagLst>
-</file>
-
-<file path=ppt/tags/tag227.xml><?xml version="1.0" encoding="utf-8"?>
-<p:tagLst xmlns:p="http://schemas.openxmlformats.org/presentationml/2006/main">
-  <p:tag name="KSO_WM_BEAUTIFY_FLAG" val="#wm#"/>
-  <p:tag name="KSO_WM_TEMPLATE_CATEGORY" val="custom"/>
-  <p:tag name="KSO_WM_TEMPLATE_INDEX" val="20202543"/>
-</p:tagLst>
-</file>
-
-<file path=ppt/tags/tag228.xml><?xml version="1.0" encoding="utf-8"?>
-<p:tagLst xmlns:p="http://schemas.openxmlformats.org/presentationml/2006/main">
-  <p:tag name="KSO_WM_BEAUTIFY_FLAG" val="#wm#"/>
-  <p:tag name="KSO_WM_TEMPLATE_CATEGORY" val="custom"/>
-  <p:tag name="KSO_WM_TEMPLATE_INDEX" val="20202543"/>
-</p:tagLst>
-</file>
-
-<file path=ppt/tags/tag229.xml><?xml version="1.0" encoding="utf-8"?>
-<p:tagLst xmlns:p="http://schemas.openxmlformats.org/presentationml/2006/main">
-  <p:tag name="KSO_WM_BEAUTIFY_FLAG" val="#wm#"/>
-  <p:tag name="KSO_WM_TEMPLATE_CATEGORY" val="custom"/>
-  <p:tag name="KSO_WM_TEMPLATE_INDEX" val="20202543"/>
 </p:tagLst>
 </file>
 
@@ -24182,47 +22996,4 @@
     </a:ext>
   </a:extLst>
 </a:theme>
-</file>
-
-<file path=ppt/theme/themeOverride1.xml><?xml version="1.0" encoding="utf-8"?>
-<a:themeOverride xmlns:a="http://schemas.openxmlformats.org/drawingml/2006/main">
-  <a:clrScheme name="自定义 15">
-    <a:dk1>
-      <a:srgbClr val="000000"/>
-    </a:dk1>
-    <a:lt1>
-      <a:srgbClr val="FFFFFF"/>
-    </a:lt1>
-    <a:dk2>
-      <a:srgbClr val="F2F2F2"/>
-    </a:dk2>
-    <a:lt2>
-      <a:srgbClr val="FFFFFF"/>
-    </a:lt2>
-    <a:accent1>
-      <a:srgbClr val="FFD865"/>
-    </a:accent1>
-    <a:accent2>
-      <a:srgbClr val="DBE782"/>
-    </a:accent2>
-    <a:accent3>
-      <a:srgbClr val="C2E3A3"/>
-    </a:accent3>
-    <a:accent4>
-      <a:srgbClr val="A3E8C2"/>
-    </a:accent4>
-    <a:accent5>
-      <a:srgbClr val="84ECE0"/>
-    </a:accent5>
-    <a:accent6>
-      <a:srgbClr val="65F2FF"/>
-    </a:accent6>
-    <a:hlink>
-      <a:srgbClr val="658BD5"/>
-    </a:hlink>
-    <a:folHlink>
-      <a:srgbClr val="9F69A3"/>
-    </a:folHlink>
-  </a:clrScheme>
-</a:themeOverride>
 </file>